--- a/Week_1.pptx
+++ b/Week_1.pptx
@@ -7,6 +7,13 @@
   <p:sldIdLst>
     <p:sldId id="256" r:id="rId2"/>
     <p:sldId id="257" r:id="rId3"/>
+    <p:sldId id="258" r:id="rId4"/>
+    <p:sldId id="259" r:id="rId5"/>
+    <p:sldId id="260" r:id="rId6"/>
+    <p:sldId id="261" r:id="rId7"/>
+    <p:sldId id="262" r:id="rId8"/>
+    <p:sldId id="263" r:id="rId9"/>
+    <p:sldId id="264" r:id="rId10"/>
   </p:sldIdLst>
   <p:sldSz cx="12192000" cy="6858000"/>
   <p:notesSz cx="6858000" cy="9144000"/>
@@ -105,6 +112,11 @@
       </a:defRPr>
     </a:lvl9pPr>
   </p:defaultTextStyle>
+  <p:extLst>
+    <p:ext uri="{EFAFB233-063F-42B5-8137-9DF3F51BA10A}">
+      <p15:sldGuideLst xmlns:p15="http://schemas.microsoft.com/office/powerpoint/2012/main"/>
+    </p:ext>
+  </p:extLst>
 </p:presentation>
 </file>
 
@@ -255,7 +267,7 @@
           <a:p>
             <a:fld id="{459B6B1B-908D-4BFD-AE3C-9545F0632E54}" type="datetimeFigureOut">
               <a:rPr lang="ko-KR" altLang="en-US" smtClean="0"/>
-              <a:t>2024-05-03</a:t>
+              <a:t>2024-05-05</a:t>
             </a:fld>
             <a:endParaRPr lang="ko-KR" altLang="en-US"/>
           </a:p>
@@ -453,7 +465,7 @@
           <a:p>
             <a:fld id="{459B6B1B-908D-4BFD-AE3C-9545F0632E54}" type="datetimeFigureOut">
               <a:rPr lang="ko-KR" altLang="en-US" smtClean="0"/>
-              <a:t>2024-05-03</a:t>
+              <a:t>2024-05-05</a:t>
             </a:fld>
             <a:endParaRPr lang="ko-KR" altLang="en-US"/>
           </a:p>
@@ -661,7 +673,7 @@
           <a:p>
             <a:fld id="{459B6B1B-908D-4BFD-AE3C-9545F0632E54}" type="datetimeFigureOut">
               <a:rPr lang="ko-KR" altLang="en-US" smtClean="0"/>
-              <a:t>2024-05-03</a:t>
+              <a:t>2024-05-05</a:t>
             </a:fld>
             <a:endParaRPr lang="ko-KR" altLang="en-US"/>
           </a:p>
@@ -859,7 +871,7 @@
           <a:p>
             <a:fld id="{459B6B1B-908D-4BFD-AE3C-9545F0632E54}" type="datetimeFigureOut">
               <a:rPr lang="ko-KR" altLang="en-US" smtClean="0"/>
-              <a:t>2024-05-03</a:t>
+              <a:t>2024-05-05</a:t>
             </a:fld>
             <a:endParaRPr lang="ko-KR" altLang="en-US"/>
           </a:p>
@@ -1134,7 +1146,7 @@
           <a:p>
             <a:fld id="{459B6B1B-908D-4BFD-AE3C-9545F0632E54}" type="datetimeFigureOut">
               <a:rPr lang="ko-KR" altLang="en-US" smtClean="0"/>
-              <a:t>2024-05-03</a:t>
+              <a:t>2024-05-05</a:t>
             </a:fld>
             <a:endParaRPr lang="ko-KR" altLang="en-US"/>
           </a:p>
@@ -1399,7 +1411,7 @@
           <a:p>
             <a:fld id="{459B6B1B-908D-4BFD-AE3C-9545F0632E54}" type="datetimeFigureOut">
               <a:rPr lang="ko-KR" altLang="en-US" smtClean="0"/>
-              <a:t>2024-05-03</a:t>
+              <a:t>2024-05-05</a:t>
             </a:fld>
             <a:endParaRPr lang="ko-KR" altLang="en-US"/>
           </a:p>
@@ -1811,7 +1823,7 @@
           <a:p>
             <a:fld id="{459B6B1B-908D-4BFD-AE3C-9545F0632E54}" type="datetimeFigureOut">
               <a:rPr lang="ko-KR" altLang="en-US" smtClean="0"/>
-              <a:t>2024-05-03</a:t>
+              <a:t>2024-05-05</a:t>
             </a:fld>
             <a:endParaRPr lang="ko-KR" altLang="en-US"/>
           </a:p>
@@ -1952,7 +1964,7 @@
           <a:p>
             <a:fld id="{459B6B1B-908D-4BFD-AE3C-9545F0632E54}" type="datetimeFigureOut">
               <a:rPr lang="ko-KR" altLang="en-US" smtClean="0"/>
-              <a:t>2024-05-03</a:t>
+              <a:t>2024-05-05</a:t>
             </a:fld>
             <a:endParaRPr lang="ko-KR" altLang="en-US"/>
           </a:p>
@@ -2065,7 +2077,7 @@
           <a:p>
             <a:fld id="{459B6B1B-908D-4BFD-AE3C-9545F0632E54}" type="datetimeFigureOut">
               <a:rPr lang="ko-KR" altLang="en-US" smtClean="0"/>
-              <a:t>2024-05-03</a:t>
+              <a:t>2024-05-05</a:t>
             </a:fld>
             <a:endParaRPr lang="ko-KR" altLang="en-US"/>
           </a:p>
@@ -2376,7 +2388,7 @@
           <a:p>
             <a:fld id="{459B6B1B-908D-4BFD-AE3C-9545F0632E54}" type="datetimeFigureOut">
               <a:rPr lang="ko-KR" altLang="en-US" smtClean="0"/>
-              <a:t>2024-05-03</a:t>
+              <a:t>2024-05-05</a:t>
             </a:fld>
             <a:endParaRPr lang="ko-KR" altLang="en-US"/>
           </a:p>
@@ -2664,7 +2676,7 @@
           <a:p>
             <a:fld id="{459B6B1B-908D-4BFD-AE3C-9545F0632E54}" type="datetimeFigureOut">
               <a:rPr lang="ko-KR" altLang="en-US" smtClean="0"/>
-              <a:t>2024-05-03</a:t>
+              <a:t>2024-05-05</a:t>
             </a:fld>
             <a:endParaRPr lang="ko-KR" altLang="en-US"/>
           </a:p>
@@ -2905,7 +2917,7 @@
           <a:p>
             <a:fld id="{459B6B1B-908D-4BFD-AE3C-9545F0632E54}" type="datetimeFigureOut">
               <a:rPr lang="ko-KR" altLang="en-US" smtClean="0"/>
-              <a:t>2024-05-03</a:t>
+              <a:t>2024-05-05</a:t>
             </a:fld>
             <a:endParaRPr lang="ko-KR" altLang="en-US"/>
           </a:p>
@@ -3349,7 +3361,11 @@
             </a:r>
             <a:r>
               <a:rPr lang="en-US" altLang="ko-KR" dirty="0"/>
-              <a:t>©</a:t>
+              <a:t>c/</a:t>
+            </a:r>
+            <a:r>
+              <a:rPr lang="en-US" altLang="ko-KR" dirty="0" err="1"/>
+              <a:t>c#</a:t>
             </a:r>
             <a:endParaRPr lang="ko-KR" altLang="en-US" dirty="0"/>
           </a:p>
@@ -3385,10 +3401,1799 @@
           <a:chExt cx="0" cy="0"/>
         </a:xfrm>
       </p:grpSpPr>
+      <p:sp>
+        <p:nvSpPr>
+          <p:cNvPr id="2" name="TextBox 1">
+            <a:extLst>
+              <a:ext uri="{FF2B5EF4-FFF2-40B4-BE49-F238E27FC236}">
+                <a16:creationId xmlns:a16="http://schemas.microsoft.com/office/drawing/2014/main" id="{359CF112-B9E4-A575-CF1A-0F082594C5CE}"/>
+              </a:ext>
+            </a:extLst>
+          </p:cNvPr>
+          <p:cNvSpPr txBox="1"/>
+          <p:nvPr/>
+        </p:nvSpPr>
+        <p:spPr>
+          <a:xfrm>
+            <a:off x="1566250" y="841972"/>
+            <a:ext cx="9542352" cy="5632311"/>
+          </a:xfrm>
+          <a:prstGeom prst="rect">
+            <a:avLst/>
+          </a:prstGeom>
+          <a:noFill/>
+        </p:spPr>
+        <p:txBody>
+          <a:bodyPr wrap="square" rtlCol="0">
+            <a:spAutoFit/>
+          </a:bodyPr>
+          <a:lstStyle/>
+          <a:p>
+            <a:r>
+              <a:rPr lang="ko-KR" altLang="en-US" sz="3600" dirty="0"/>
+              <a:t>목표 세우기</a:t>
+            </a:r>
+            <a:endParaRPr lang="en-US" altLang="ko-KR" sz="3600" dirty="0"/>
+          </a:p>
+          <a:p>
+            <a:pPr marL="342900" indent="-342900">
+              <a:buAutoNum type="arabicPeriod"/>
+            </a:pPr>
+            <a:endParaRPr lang="en-US" altLang="ko-KR" sz="3600" dirty="0"/>
+          </a:p>
+          <a:p>
+            <a:pPr marL="342900" indent="-342900">
+              <a:buAutoNum type="arabicPeriod"/>
+            </a:pPr>
+            <a:endParaRPr lang="en-US" altLang="ko-KR" sz="3600" dirty="0"/>
+          </a:p>
+          <a:p>
+            <a:pPr marL="342900" indent="-342900">
+              <a:buAutoNum type="arabicPeriod"/>
+            </a:pPr>
+            <a:endParaRPr lang="en-US" altLang="ko-KR" sz="3600" dirty="0"/>
+          </a:p>
+          <a:p>
+            <a:r>
+              <a:rPr lang="ko-KR" altLang="en-US" sz="3600" dirty="0"/>
+              <a:t>여기에 온 이유가 무엇인가</a:t>
+            </a:r>
+            <a:r>
+              <a:rPr lang="en-US" altLang="ko-KR" sz="3600" dirty="0"/>
+              <a:t>? </a:t>
+            </a:r>
+          </a:p>
+          <a:p>
+            <a:endParaRPr lang="en-US" altLang="ko-KR" sz="3600" dirty="0"/>
+          </a:p>
+          <a:p>
+            <a:endParaRPr lang="en-US" altLang="ko-KR" sz="3600" dirty="0"/>
+          </a:p>
+          <a:p>
+            <a:r>
+              <a:rPr lang="ko-KR" altLang="en-US" sz="3600" dirty="0"/>
+              <a:t>나는 무엇을 하고 싶은가</a:t>
+            </a:r>
+            <a:r>
+              <a:rPr lang="en-US" altLang="ko-KR" sz="3600" dirty="0"/>
+              <a:t>? </a:t>
+            </a:r>
+          </a:p>
+          <a:p>
+            <a:endParaRPr lang="en-US" altLang="ko-KR" sz="3600" dirty="0"/>
+          </a:p>
+          <a:p>
+            <a:endParaRPr lang="ko-KR" altLang="en-US" sz="3600" dirty="0"/>
+          </a:p>
+        </p:txBody>
+      </p:sp>
     </p:spTree>
     <p:extLst>
       <p:ext uri="{BB962C8B-B14F-4D97-AF65-F5344CB8AC3E}">
         <p14:creationId xmlns:p14="http://schemas.microsoft.com/office/powerpoint/2010/main" val="1901913654"/>
+      </p:ext>
+    </p:extLst>
+  </p:cSld>
+  <p:clrMapOvr>
+    <a:masterClrMapping/>
+  </p:clrMapOvr>
+</p:sld>
+</file>
+
+<file path=ppt/slides/slide3.xml><?xml version="1.0" encoding="utf-8"?>
+<p:sld xmlns:a="http://schemas.openxmlformats.org/drawingml/2006/main" xmlns:r="http://schemas.openxmlformats.org/officeDocument/2006/relationships" xmlns:p="http://schemas.openxmlformats.org/presentationml/2006/main">
+  <p:cSld>
+    <p:spTree>
+      <p:nvGrpSpPr>
+        <p:cNvPr id="1" name=""/>
+        <p:cNvGrpSpPr/>
+        <p:nvPr/>
+      </p:nvGrpSpPr>
+      <p:grpSpPr>
+        <a:xfrm>
+          <a:off x="0" y="0"/>
+          <a:ext cx="0" cy="0"/>
+          <a:chOff x="0" y="0"/>
+          <a:chExt cx="0" cy="0"/>
+        </a:xfrm>
+      </p:grpSpPr>
+      <p:sp>
+        <p:nvSpPr>
+          <p:cNvPr id="6" name="직사각형 5">
+            <a:extLst>
+              <a:ext uri="{FF2B5EF4-FFF2-40B4-BE49-F238E27FC236}">
+                <a16:creationId xmlns:a16="http://schemas.microsoft.com/office/drawing/2014/main" id="{222C2474-3675-ADFC-7AD4-0BE688D43BE0}"/>
+              </a:ext>
+            </a:extLst>
+          </p:cNvPr>
+          <p:cNvSpPr/>
+          <p:nvPr/>
+        </p:nvSpPr>
+        <p:spPr>
+          <a:xfrm>
+            <a:off x="6096000" y="4535786"/>
+            <a:ext cx="2634558" cy="1548143"/>
+          </a:xfrm>
+          <a:prstGeom prst="rect">
+            <a:avLst/>
+          </a:prstGeom>
+        </p:spPr>
+        <p:style>
+          <a:lnRef idx="2">
+            <a:schemeClr val="accent1">
+              <a:shade val="15000"/>
+            </a:schemeClr>
+          </a:lnRef>
+          <a:fillRef idx="1">
+            <a:schemeClr val="accent1"/>
+          </a:fillRef>
+          <a:effectRef idx="0">
+            <a:schemeClr val="accent1"/>
+          </a:effectRef>
+          <a:fontRef idx="minor">
+            <a:schemeClr val="lt1"/>
+          </a:fontRef>
+        </p:style>
+        <p:txBody>
+          <a:bodyPr rtlCol="0" anchor="ctr"/>
+          <a:lstStyle/>
+          <a:p>
+            <a:pPr algn="ctr"/>
+            <a:r>
+              <a:rPr lang="ko-KR" altLang="en-US" dirty="0"/>
+              <a:t>모니터</a:t>
+            </a:r>
+          </a:p>
+        </p:txBody>
+      </p:sp>
+      <p:sp>
+        <p:nvSpPr>
+          <p:cNvPr id="7" name="직사각형 6">
+            <a:extLst>
+              <a:ext uri="{FF2B5EF4-FFF2-40B4-BE49-F238E27FC236}">
+                <a16:creationId xmlns:a16="http://schemas.microsoft.com/office/drawing/2014/main" id="{4A40CDE3-E3E5-9994-2DD9-80ABA384A7D0}"/>
+              </a:ext>
+            </a:extLst>
+          </p:cNvPr>
+          <p:cNvSpPr/>
+          <p:nvPr/>
+        </p:nvSpPr>
+        <p:spPr>
+          <a:xfrm>
+            <a:off x="6497369" y="479832"/>
+            <a:ext cx="1834836" cy="1240325"/>
+          </a:xfrm>
+          <a:prstGeom prst="rect">
+            <a:avLst/>
+          </a:prstGeom>
+        </p:spPr>
+        <p:style>
+          <a:lnRef idx="2">
+            <a:schemeClr val="accent2">
+              <a:shade val="15000"/>
+            </a:schemeClr>
+          </a:lnRef>
+          <a:fillRef idx="1">
+            <a:schemeClr val="accent2"/>
+          </a:fillRef>
+          <a:effectRef idx="0">
+            <a:schemeClr val="accent2"/>
+          </a:effectRef>
+          <a:fontRef idx="minor">
+            <a:schemeClr val="lt1"/>
+          </a:fontRef>
+        </p:style>
+        <p:txBody>
+          <a:bodyPr rtlCol="0" anchor="ctr"/>
+          <a:lstStyle/>
+          <a:p>
+            <a:pPr algn="ctr"/>
+            <a:r>
+              <a:rPr lang="ko-KR" altLang="en-US" dirty="0"/>
+              <a:t>프로그램</a:t>
+            </a:r>
+          </a:p>
+        </p:txBody>
+      </p:sp>
+      <p:sp>
+        <p:nvSpPr>
+          <p:cNvPr id="8" name="직사각형 7">
+            <a:extLst>
+              <a:ext uri="{FF2B5EF4-FFF2-40B4-BE49-F238E27FC236}">
+                <a16:creationId xmlns:a16="http://schemas.microsoft.com/office/drawing/2014/main" id="{DF0C3490-CB12-CD8E-FBF6-0C727FAB4D40}"/>
+              </a:ext>
+            </a:extLst>
+          </p:cNvPr>
+          <p:cNvSpPr/>
+          <p:nvPr/>
+        </p:nvSpPr>
+        <p:spPr>
+          <a:xfrm>
+            <a:off x="2088333" y="2145672"/>
+            <a:ext cx="1810693" cy="1004935"/>
+          </a:xfrm>
+          <a:prstGeom prst="rect">
+            <a:avLst/>
+          </a:prstGeom>
+        </p:spPr>
+        <p:style>
+          <a:lnRef idx="2">
+            <a:schemeClr val="accent3">
+              <a:shade val="15000"/>
+            </a:schemeClr>
+          </a:lnRef>
+          <a:fillRef idx="1">
+            <a:schemeClr val="accent3"/>
+          </a:fillRef>
+          <a:effectRef idx="0">
+            <a:schemeClr val="accent3"/>
+          </a:effectRef>
+          <a:fontRef idx="minor">
+            <a:schemeClr val="lt1"/>
+          </a:fontRef>
+        </p:style>
+        <p:txBody>
+          <a:bodyPr rtlCol="0" anchor="ctr"/>
+          <a:lstStyle/>
+          <a:p>
+            <a:pPr algn="ctr"/>
+            <a:r>
+              <a:rPr lang="ko-KR" altLang="en-US" dirty="0"/>
+              <a:t>본체</a:t>
+            </a:r>
+            <a:r>
+              <a:rPr lang="en-US" altLang="ko-KR" dirty="0"/>
+              <a:t> </a:t>
+            </a:r>
+            <a:endParaRPr lang="ko-KR" altLang="en-US" dirty="0"/>
+          </a:p>
+        </p:txBody>
+      </p:sp>
+      <p:cxnSp>
+        <p:nvCxnSpPr>
+          <p:cNvPr id="10" name="직선 화살표 연결선 9">
+            <a:extLst>
+              <a:ext uri="{FF2B5EF4-FFF2-40B4-BE49-F238E27FC236}">
+                <a16:creationId xmlns:a16="http://schemas.microsoft.com/office/drawing/2014/main" id="{A9F25EB8-63BD-FEB6-A3BD-034E324C4A3D}"/>
+              </a:ext>
+            </a:extLst>
+          </p:cNvPr>
+          <p:cNvCxnSpPr/>
+          <p:nvPr/>
+        </p:nvCxnSpPr>
+        <p:spPr>
+          <a:xfrm flipH="1">
+            <a:off x="4273236" y="986828"/>
+            <a:ext cx="1982709" cy="1095469"/>
+          </a:xfrm>
+          <a:prstGeom prst="straightConnector1">
+            <a:avLst/>
+          </a:prstGeom>
+          <a:ln>
+            <a:tailEnd type="triangle"/>
+          </a:ln>
+        </p:spPr>
+        <p:style>
+          <a:lnRef idx="2">
+            <a:schemeClr val="accent1"/>
+          </a:lnRef>
+          <a:fillRef idx="0">
+            <a:schemeClr val="accent1"/>
+          </a:fillRef>
+          <a:effectRef idx="1">
+            <a:schemeClr val="accent1"/>
+          </a:effectRef>
+          <a:fontRef idx="minor">
+            <a:schemeClr val="tx1"/>
+          </a:fontRef>
+        </p:style>
+      </p:cxnSp>
+      <p:cxnSp>
+        <p:nvCxnSpPr>
+          <p:cNvPr id="12" name="직선 화살표 연결선 11">
+            <a:extLst>
+              <a:ext uri="{FF2B5EF4-FFF2-40B4-BE49-F238E27FC236}">
+                <a16:creationId xmlns:a16="http://schemas.microsoft.com/office/drawing/2014/main" id="{D5AA7907-7393-40AD-E1C8-4E3F2B749ED2}"/>
+              </a:ext>
+            </a:extLst>
+          </p:cNvPr>
+          <p:cNvCxnSpPr/>
+          <p:nvPr/>
+        </p:nvCxnSpPr>
+        <p:spPr>
+          <a:xfrm>
+            <a:off x="4273236" y="3429000"/>
+            <a:ext cx="1502875" cy="1106786"/>
+          </a:xfrm>
+          <a:prstGeom prst="straightConnector1">
+            <a:avLst/>
+          </a:prstGeom>
+          <a:ln>
+            <a:tailEnd type="triangle"/>
+          </a:ln>
+        </p:spPr>
+        <p:style>
+          <a:lnRef idx="2">
+            <a:schemeClr val="accent1"/>
+          </a:lnRef>
+          <a:fillRef idx="0">
+            <a:schemeClr val="accent1"/>
+          </a:fillRef>
+          <a:effectRef idx="1">
+            <a:schemeClr val="accent1"/>
+          </a:effectRef>
+          <a:fontRef idx="minor">
+            <a:schemeClr val="tx1"/>
+          </a:fontRef>
+        </p:style>
+      </p:cxnSp>
+    </p:spTree>
+    <p:extLst>
+      <p:ext uri="{BB962C8B-B14F-4D97-AF65-F5344CB8AC3E}">
+        <p14:creationId xmlns:p14="http://schemas.microsoft.com/office/powerpoint/2010/main" val="2339196145"/>
+      </p:ext>
+    </p:extLst>
+  </p:cSld>
+  <p:clrMapOvr>
+    <a:masterClrMapping/>
+  </p:clrMapOvr>
+</p:sld>
+</file>
+
+<file path=ppt/slides/slide4.xml><?xml version="1.0" encoding="utf-8"?>
+<p:sld xmlns:a="http://schemas.openxmlformats.org/drawingml/2006/main" xmlns:r="http://schemas.openxmlformats.org/officeDocument/2006/relationships" xmlns:p="http://schemas.openxmlformats.org/presentationml/2006/main">
+  <p:cSld>
+    <p:spTree>
+      <p:nvGrpSpPr>
+        <p:cNvPr id="1" name=""/>
+        <p:cNvGrpSpPr/>
+        <p:nvPr/>
+      </p:nvGrpSpPr>
+      <p:grpSpPr>
+        <a:xfrm>
+          <a:off x="0" y="0"/>
+          <a:ext cx="0" cy="0"/>
+          <a:chOff x="0" y="0"/>
+          <a:chExt cx="0" cy="0"/>
+        </a:xfrm>
+      </p:grpSpPr>
+      <p:sp>
+        <p:nvSpPr>
+          <p:cNvPr id="6" name="직사각형 5">
+            <a:extLst>
+              <a:ext uri="{FF2B5EF4-FFF2-40B4-BE49-F238E27FC236}">
+                <a16:creationId xmlns:a16="http://schemas.microsoft.com/office/drawing/2014/main" id="{222C2474-3675-ADFC-7AD4-0BE688D43BE0}"/>
+              </a:ext>
+            </a:extLst>
+          </p:cNvPr>
+          <p:cNvSpPr/>
+          <p:nvPr/>
+        </p:nvSpPr>
+        <p:spPr>
+          <a:xfrm>
+            <a:off x="6096000" y="4535786"/>
+            <a:ext cx="2634558" cy="1548143"/>
+          </a:xfrm>
+          <a:prstGeom prst="rect">
+            <a:avLst/>
+          </a:prstGeom>
+        </p:spPr>
+        <p:style>
+          <a:lnRef idx="2">
+            <a:schemeClr val="accent1">
+              <a:shade val="15000"/>
+            </a:schemeClr>
+          </a:lnRef>
+          <a:fillRef idx="1">
+            <a:schemeClr val="accent1"/>
+          </a:fillRef>
+          <a:effectRef idx="0">
+            <a:schemeClr val="accent1"/>
+          </a:effectRef>
+          <a:fontRef idx="minor">
+            <a:schemeClr val="lt1"/>
+          </a:fontRef>
+        </p:style>
+        <p:txBody>
+          <a:bodyPr rtlCol="0" anchor="ctr"/>
+          <a:lstStyle/>
+          <a:p>
+            <a:pPr algn="ctr"/>
+            <a:r>
+              <a:rPr lang="ko-KR" altLang="en-US" dirty="0"/>
+              <a:t>모니터</a:t>
+            </a:r>
+          </a:p>
+        </p:txBody>
+      </p:sp>
+      <p:sp>
+        <p:nvSpPr>
+          <p:cNvPr id="7" name="직사각형 6">
+            <a:extLst>
+              <a:ext uri="{FF2B5EF4-FFF2-40B4-BE49-F238E27FC236}">
+                <a16:creationId xmlns:a16="http://schemas.microsoft.com/office/drawing/2014/main" id="{4A40CDE3-E3E5-9994-2DD9-80ABA384A7D0}"/>
+              </a:ext>
+            </a:extLst>
+          </p:cNvPr>
+          <p:cNvSpPr/>
+          <p:nvPr/>
+        </p:nvSpPr>
+        <p:spPr>
+          <a:xfrm>
+            <a:off x="8831655" y="740120"/>
+            <a:ext cx="1834836" cy="1240325"/>
+          </a:xfrm>
+          <a:prstGeom prst="rect">
+            <a:avLst/>
+          </a:prstGeom>
+        </p:spPr>
+        <p:style>
+          <a:lnRef idx="2">
+            <a:schemeClr val="accent2">
+              <a:shade val="15000"/>
+            </a:schemeClr>
+          </a:lnRef>
+          <a:fillRef idx="1">
+            <a:schemeClr val="accent2"/>
+          </a:fillRef>
+          <a:effectRef idx="0">
+            <a:schemeClr val="accent2"/>
+          </a:effectRef>
+          <a:fontRef idx="minor">
+            <a:schemeClr val="lt1"/>
+          </a:fontRef>
+        </p:style>
+        <p:txBody>
+          <a:bodyPr rtlCol="0" anchor="ctr"/>
+          <a:lstStyle/>
+          <a:p>
+            <a:pPr algn="ctr"/>
+            <a:r>
+              <a:rPr lang="ko-KR" altLang="en-US" dirty="0"/>
+              <a:t>프로그램</a:t>
+            </a:r>
+          </a:p>
+        </p:txBody>
+      </p:sp>
+      <p:sp>
+        <p:nvSpPr>
+          <p:cNvPr id="8" name="직사각형 7">
+            <a:extLst>
+              <a:ext uri="{FF2B5EF4-FFF2-40B4-BE49-F238E27FC236}">
+                <a16:creationId xmlns:a16="http://schemas.microsoft.com/office/drawing/2014/main" id="{DF0C3490-CB12-CD8E-FBF6-0C727FAB4D40}"/>
+              </a:ext>
+            </a:extLst>
+          </p:cNvPr>
+          <p:cNvSpPr/>
+          <p:nvPr/>
+        </p:nvSpPr>
+        <p:spPr>
+          <a:xfrm>
+            <a:off x="1949513" y="1805034"/>
+            <a:ext cx="1810693" cy="1004935"/>
+          </a:xfrm>
+          <a:prstGeom prst="rect">
+            <a:avLst/>
+          </a:prstGeom>
+        </p:spPr>
+        <p:style>
+          <a:lnRef idx="2">
+            <a:schemeClr val="accent3">
+              <a:shade val="15000"/>
+            </a:schemeClr>
+          </a:lnRef>
+          <a:fillRef idx="1">
+            <a:schemeClr val="accent3"/>
+          </a:fillRef>
+          <a:effectRef idx="0">
+            <a:schemeClr val="accent3"/>
+          </a:effectRef>
+          <a:fontRef idx="minor">
+            <a:schemeClr val="lt1"/>
+          </a:fontRef>
+        </p:style>
+        <p:txBody>
+          <a:bodyPr rtlCol="0" anchor="ctr"/>
+          <a:lstStyle/>
+          <a:p>
+            <a:pPr algn="ctr"/>
+            <a:r>
+              <a:rPr lang="ko-KR" altLang="en-US" dirty="0"/>
+              <a:t>본체</a:t>
+            </a:r>
+          </a:p>
+        </p:txBody>
+      </p:sp>
+      <p:cxnSp>
+        <p:nvCxnSpPr>
+          <p:cNvPr id="10" name="직선 화살표 연결선 9">
+            <a:extLst>
+              <a:ext uri="{FF2B5EF4-FFF2-40B4-BE49-F238E27FC236}">
+                <a16:creationId xmlns:a16="http://schemas.microsoft.com/office/drawing/2014/main" id="{A9F25EB8-63BD-FEB6-A3BD-034E324C4A3D}"/>
+              </a:ext>
+            </a:extLst>
+          </p:cNvPr>
+          <p:cNvCxnSpPr>
+            <a:cxnSpLocks/>
+          </p:cNvCxnSpPr>
+          <p:nvPr/>
+        </p:nvCxnSpPr>
+        <p:spPr>
+          <a:xfrm flipH="1">
+            <a:off x="4273236" y="1527772"/>
+            <a:ext cx="959667" cy="554525"/>
+          </a:xfrm>
+          <a:prstGeom prst="straightConnector1">
+            <a:avLst/>
+          </a:prstGeom>
+          <a:ln>
+            <a:tailEnd type="triangle"/>
+          </a:ln>
+        </p:spPr>
+        <p:style>
+          <a:lnRef idx="2">
+            <a:schemeClr val="accent1"/>
+          </a:lnRef>
+          <a:fillRef idx="0">
+            <a:schemeClr val="accent1"/>
+          </a:fillRef>
+          <a:effectRef idx="1">
+            <a:schemeClr val="accent1"/>
+          </a:effectRef>
+          <a:fontRef idx="minor">
+            <a:schemeClr val="tx1"/>
+          </a:fontRef>
+        </p:style>
+      </p:cxnSp>
+      <p:cxnSp>
+        <p:nvCxnSpPr>
+          <p:cNvPr id="12" name="직선 화살표 연결선 11">
+            <a:extLst>
+              <a:ext uri="{FF2B5EF4-FFF2-40B4-BE49-F238E27FC236}">
+                <a16:creationId xmlns:a16="http://schemas.microsoft.com/office/drawing/2014/main" id="{D5AA7907-7393-40AD-E1C8-4E3F2B749ED2}"/>
+              </a:ext>
+            </a:extLst>
+          </p:cNvPr>
+          <p:cNvCxnSpPr/>
+          <p:nvPr/>
+        </p:nvCxnSpPr>
+        <p:spPr>
+          <a:xfrm>
+            <a:off x="4273236" y="3429000"/>
+            <a:ext cx="1502875" cy="1106786"/>
+          </a:xfrm>
+          <a:prstGeom prst="straightConnector1">
+            <a:avLst/>
+          </a:prstGeom>
+          <a:ln>
+            <a:tailEnd type="triangle"/>
+          </a:ln>
+        </p:spPr>
+        <p:style>
+          <a:lnRef idx="2">
+            <a:schemeClr val="accent1"/>
+          </a:lnRef>
+          <a:fillRef idx="0">
+            <a:schemeClr val="accent1"/>
+          </a:fillRef>
+          <a:effectRef idx="1">
+            <a:schemeClr val="accent1"/>
+          </a:effectRef>
+          <a:fontRef idx="minor">
+            <a:schemeClr val="tx1"/>
+          </a:fontRef>
+        </p:style>
+      </p:cxnSp>
+      <p:sp>
+        <p:nvSpPr>
+          <p:cNvPr id="3" name="타원 2">
+            <a:extLst>
+              <a:ext uri="{FF2B5EF4-FFF2-40B4-BE49-F238E27FC236}">
+                <a16:creationId xmlns:a16="http://schemas.microsoft.com/office/drawing/2014/main" id="{2BC4E612-3F8C-2B86-7349-9AED41F43F7A}"/>
+              </a:ext>
+            </a:extLst>
+          </p:cNvPr>
+          <p:cNvSpPr/>
+          <p:nvPr/>
+        </p:nvSpPr>
+        <p:spPr>
+          <a:xfrm>
+            <a:off x="5493944" y="740120"/>
+            <a:ext cx="1919335" cy="1308226"/>
+          </a:xfrm>
+          <a:prstGeom prst="ellipse">
+            <a:avLst/>
+          </a:prstGeom>
+        </p:spPr>
+        <p:style>
+          <a:lnRef idx="2">
+            <a:schemeClr val="accent4">
+              <a:shade val="15000"/>
+            </a:schemeClr>
+          </a:lnRef>
+          <a:fillRef idx="1">
+            <a:schemeClr val="accent4"/>
+          </a:fillRef>
+          <a:effectRef idx="0">
+            <a:schemeClr val="accent4"/>
+          </a:effectRef>
+          <a:fontRef idx="minor">
+            <a:schemeClr val="lt1"/>
+          </a:fontRef>
+        </p:style>
+        <p:txBody>
+          <a:bodyPr rtlCol="0" anchor="ctr"/>
+          <a:lstStyle/>
+          <a:p>
+            <a:pPr algn="ctr"/>
+            <a:r>
+              <a:rPr lang="en-US" altLang="ko-KR" dirty="0"/>
+              <a:t>OS</a:t>
+            </a:r>
+          </a:p>
+          <a:p>
+            <a:pPr algn="ctr"/>
+            <a:r>
+              <a:rPr lang="ko-KR" altLang="en-US" dirty="0"/>
+              <a:t>윈도우</a:t>
+            </a:r>
+            <a:r>
+              <a:rPr lang="en-US" altLang="ko-KR" dirty="0"/>
+              <a:t>/ </a:t>
+            </a:r>
+            <a:r>
+              <a:rPr lang="ko-KR" altLang="en-US" dirty="0"/>
+              <a:t>안드로이드</a:t>
+            </a:r>
+            <a:r>
+              <a:rPr lang="en-US" altLang="ko-KR" dirty="0"/>
+              <a:t>/ Mac</a:t>
+            </a:r>
+            <a:endParaRPr lang="ko-KR" altLang="en-US" dirty="0"/>
+          </a:p>
+        </p:txBody>
+      </p:sp>
+      <p:cxnSp>
+        <p:nvCxnSpPr>
+          <p:cNvPr id="5" name="직선 화살표 연결선 4">
+            <a:extLst>
+              <a:ext uri="{FF2B5EF4-FFF2-40B4-BE49-F238E27FC236}">
+                <a16:creationId xmlns:a16="http://schemas.microsoft.com/office/drawing/2014/main" id="{C62F453B-A0AB-8FBC-D7CB-DBD993E12E24}"/>
+              </a:ext>
+            </a:extLst>
+          </p:cNvPr>
+          <p:cNvCxnSpPr/>
+          <p:nvPr/>
+        </p:nvCxnSpPr>
+        <p:spPr>
+          <a:xfrm flipH="1">
+            <a:off x="7704499" y="1394233"/>
+            <a:ext cx="769545" cy="0"/>
+          </a:xfrm>
+          <a:prstGeom prst="straightConnector1">
+            <a:avLst/>
+          </a:prstGeom>
+          <a:ln>
+            <a:tailEnd type="triangle"/>
+          </a:ln>
+        </p:spPr>
+        <p:style>
+          <a:lnRef idx="2">
+            <a:schemeClr val="accent1"/>
+          </a:lnRef>
+          <a:fillRef idx="0">
+            <a:schemeClr val="accent1"/>
+          </a:fillRef>
+          <a:effectRef idx="1">
+            <a:schemeClr val="accent1"/>
+          </a:effectRef>
+          <a:fontRef idx="minor">
+            <a:schemeClr val="tx1"/>
+          </a:fontRef>
+        </p:style>
+      </p:cxnSp>
+      <p:sp>
+        <p:nvSpPr>
+          <p:cNvPr id="11" name="타원 10">
+            <a:extLst>
+              <a:ext uri="{FF2B5EF4-FFF2-40B4-BE49-F238E27FC236}">
+                <a16:creationId xmlns:a16="http://schemas.microsoft.com/office/drawing/2014/main" id="{2A26E337-7351-B101-9F29-404EAA38631B}"/>
+              </a:ext>
+            </a:extLst>
+          </p:cNvPr>
+          <p:cNvSpPr/>
+          <p:nvPr/>
+        </p:nvSpPr>
+        <p:spPr>
+          <a:xfrm>
+            <a:off x="552261" y="3032911"/>
+            <a:ext cx="3207945" cy="1213164"/>
+          </a:xfrm>
+          <a:prstGeom prst="ellipse">
+            <a:avLst/>
+          </a:prstGeom>
+        </p:spPr>
+        <p:style>
+          <a:lnRef idx="2">
+            <a:schemeClr val="accent5">
+              <a:shade val="15000"/>
+            </a:schemeClr>
+          </a:lnRef>
+          <a:fillRef idx="1">
+            <a:schemeClr val="accent5"/>
+          </a:fillRef>
+          <a:effectRef idx="0">
+            <a:schemeClr val="accent5"/>
+          </a:effectRef>
+          <a:fontRef idx="minor">
+            <a:schemeClr val="lt1"/>
+          </a:fontRef>
+        </p:style>
+        <p:txBody>
+          <a:bodyPr rtlCol="0" anchor="ctr"/>
+          <a:lstStyle/>
+          <a:p>
+            <a:pPr algn="ctr"/>
+            <a:r>
+              <a:rPr lang="ko-KR" altLang="en-US" dirty="0"/>
+              <a:t>하드웨어</a:t>
+            </a:r>
+            <a:endParaRPr lang="en-US" altLang="ko-KR" dirty="0"/>
+          </a:p>
+          <a:p>
+            <a:pPr algn="ctr"/>
+            <a:r>
+              <a:rPr lang="en-US" altLang="ko-KR" dirty="0"/>
+              <a:t>-CPU,</a:t>
+            </a:r>
+            <a:r>
+              <a:rPr lang="ko-KR" altLang="en-US" dirty="0"/>
+              <a:t>그래픽카드</a:t>
+            </a:r>
+            <a:r>
+              <a:rPr lang="en-US" altLang="ko-KR" dirty="0"/>
+              <a:t>,</a:t>
+            </a:r>
+          </a:p>
+          <a:p>
+            <a:pPr algn="ctr"/>
+            <a:r>
+              <a:rPr lang="ko-KR" altLang="en-US" dirty="0"/>
+              <a:t>메모리</a:t>
+            </a:r>
+          </a:p>
+        </p:txBody>
+      </p:sp>
+    </p:spTree>
+    <p:extLst>
+      <p:ext uri="{BB962C8B-B14F-4D97-AF65-F5344CB8AC3E}">
+        <p14:creationId xmlns:p14="http://schemas.microsoft.com/office/powerpoint/2010/main" val="2222201744"/>
+      </p:ext>
+    </p:extLst>
+  </p:cSld>
+  <p:clrMapOvr>
+    <a:masterClrMapping/>
+  </p:clrMapOvr>
+</p:sld>
+</file>
+
+<file path=ppt/slides/slide5.xml><?xml version="1.0" encoding="utf-8"?>
+<p:sld xmlns:a="http://schemas.openxmlformats.org/drawingml/2006/main" xmlns:r="http://schemas.openxmlformats.org/officeDocument/2006/relationships" xmlns:p="http://schemas.openxmlformats.org/presentationml/2006/main">
+  <p:cSld>
+    <p:spTree>
+      <p:nvGrpSpPr>
+        <p:cNvPr id="1" name=""/>
+        <p:cNvGrpSpPr/>
+        <p:nvPr/>
+      </p:nvGrpSpPr>
+      <p:grpSpPr>
+        <a:xfrm>
+          <a:off x="0" y="0"/>
+          <a:ext cx="0" cy="0"/>
+          <a:chOff x="0" y="0"/>
+          <a:chExt cx="0" cy="0"/>
+        </a:xfrm>
+      </p:grpSpPr>
+      <p:sp>
+        <p:nvSpPr>
+          <p:cNvPr id="7" name="직사각형 6">
+            <a:extLst>
+              <a:ext uri="{FF2B5EF4-FFF2-40B4-BE49-F238E27FC236}">
+                <a16:creationId xmlns:a16="http://schemas.microsoft.com/office/drawing/2014/main" id="{4A40CDE3-E3E5-9994-2DD9-80ABA384A7D0}"/>
+              </a:ext>
+            </a:extLst>
+          </p:cNvPr>
+          <p:cNvSpPr/>
+          <p:nvPr/>
+        </p:nvSpPr>
+        <p:spPr>
+          <a:xfrm>
+            <a:off x="4890379" y="2792994"/>
+            <a:ext cx="1834836" cy="1240325"/>
+          </a:xfrm>
+          <a:prstGeom prst="rect">
+            <a:avLst/>
+          </a:prstGeom>
+        </p:spPr>
+        <p:style>
+          <a:lnRef idx="2">
+            <a:schemeClr val="accent2">
+              <a:shade val="15000"/>
+            </a:schemeClr>
+          </a:lnRef>
+          <a:fillRef idx="1">
+            <a:schemeClr val="accent2"/>
+          </a:fillRef>
+          <a:effectRef idx="0">
+            <a:schemeClr val="accent2"/>
+          </a:effectRef>
+          <a:fontRef idx="minor">
+            <a:schemeClr val="lt1"/>
+          </a:fontRef>
+        </p:style>
+        <p:txBody>
+          <a:bodyPr rtlCol="0" anchor="ctr"/>
+          <a:lstStyle/>
+          <a:p>
+            <a:pPr algn="ctr"/>
+            <a:r>
+              <a:rPr lang="ko-KR" altLang="en-US" dirty="0"/>
+              <a:t>프로그램</a:t>
+            </a:r>
+          </a:p>
+        </p:txBody>
+      </p:sp>
+      <p:sp>
+        <p:nvSpPr>
+          <p:cNvPr id="2" name="타원 1">
+            <a:extLst>
+              <a:ext uri="{FF2B5EF4-FFF2-40B4-BE49-F238E27FC236}">
+                <a16:creationId xmlns:a16="http://schemas.microsoft.com/office/drawing/2014/main" id="{53504A40-5F6B-4142-9A55-A47DA4E6ABB1}"/>
+              </a:ext>
+            </a:extLst>
+          </p:cNvPr>
+          <p:cNvSpPr/>
+          <p:nvPr/>
+        </p:nvSpPr>
+        <p:spPr>
+          <a:xfrm>
+            <a:off x="2842787" y="4065006"/>
+            <a:ext cx="5930020" cy="1358020"/>
+          </a:xfrm>
+          <a:prstGeom prst="ellipse">
+            <a:avLst/>
+          </a:prstGeom>
+        </p:spPr>
+        <p:style>
+          <a:lnRef idx="2">
+            <a:schemeClr val="accent4">
+              <a:shade val="15000"/>
+            </a:schemeClr>
+          </a:lnRef>
+          <a:fillRef idx="1">
+            <a:schemeClr val="accent4"/>
+          </a:fillRef>
+          <a:effectRef idx="0">
+            <a:schemeClr val="accent4"/>
+          </a:effectRef>
+          <a:fontRef idx="minor">
+            <a:schemeClr val="lt1"/>
+          </a:fontRef>
+        </p:style>
+        <p:txBody>
+          <a:bodyPr rtlCol="0" anchor="ctr"/>
+          <a:lstStyle/>
+          <a:p>
+            <a:pPr algn="ctr"/>
+            <a:r>
+              <a:rPr lang="en-US" altLang="ko-KR" dirty="0"/>
+              <a:t>OS</a:t>
+            </a:r>
+            <a:endParaRPr lang="ko-KR" altLang="en-US" dirty="0"/>
+          </a:p>
+        </p:txBody>
+      </p:sp>
+      <p:sp>
+        <p:nvSpPr>
+          <p:cNvPr id="4" name="타원 3">
+            <a:extLst>
+              <a:ext uri="{FF2B5EF4-FFF2-40B4-BE49-F238E27FC236}">
+                <a16:creationId xmlns:a16="http://schemas.microsoft.com/office/drawing/2014/main" id="{FFD43FD8-85DE-1A42-C989-9427BB167431}"/>
+              </a:ext>
+            </a:extLst>
+          </p:cNvPr>
+          <p:cNvSpPr/>
+          <p:nvPr/>
+        </p:nvSpPr>
+        <p:spPr>
+          <a:xfrm>
+            <a:off x="6337426" y="2362954"/>
+            <a:ext cx="2209045" cy="923454"/>
+          </a:xfrm>
+          <a:prstGeom prst="ellipse">
+            <a:avLst/>
+          </a:prstGeom>
+        </p:spPr>
+        <p:style>
+          <a:lnRef idx="2">
+            <a:schemeClr val="accent6">
+              <a:shade val="15000"/>
+            </a:schemeClr>
+          </a:lnRef>
+          <a:fillRef idx="1">
+            <a:schemeClr val="accent6"/>
+          </a:fillRef>
+          <a:effectRef idx="0">
+            <a:schemeClr val="accent6"/>
+          </a:effectRef>
+          <a:fontRef idx="minor">
+            <a:schemeClr val="lt1"/>
+          </a:fontRef>
+        </p:style>
+        <p:txBody>
+          <a:bodyPr rtlCol="0" anchor="ctr"/>
+          <a:lstStyle/>
+          <a:p>
+            <a:pPr algn="ctr"/>
+            <a:r>
+              <a:rPr lang="ko-KR" altLang="en-US" dirty="0"/>
+              <a:t>언어</a:t>
+            </a:r>
+          </a:p>
+        </p:txBody>
+      </p:sp>
+      <p:cxnSp>
+        <p:nvCxnSpPr>
+          <p:cNvPr id="13" name="직선 화살표 연결선 12">
+            <a:extLst>
+              <a:ext uri="{FF2B5EF4-FFF2-40B4-BE49-F238E27FC236}">
+                <a16:creationId xmlns:a16="http://schemas.microsoft.com/office/drawing/2014/main" id="{1E8757CF-4E12-1B80-271E-AD9AB57DBC93}"/>
+              </a:ext>
+            </a:extLst>
+          </p:cNvPr>
+          <p:cNvCxnSpPr>
+            <a:cxnSpLocks/>
+          </p:cNvCxnSpPr>
+          <p:nvPr/>
+        </p:nvCxnSpPr>
+        <p:spPr>
+          <a:xfrm flipH="1">
+            <a:off x="7550590" y="1394233"/>
+            <a:ext cx="995881" cy="796705"/>
+          </a:xfrm>
+          <a:prstGeom prst="straightConnector1">
+            <a:avLst/>
+          </a:prstGeom>
+          <a:ln>
+            <a:tailEnd type="triangle"/>
+          </a:ln>
+        </p:spPr>
+        <p:style>
+          <a:lnRef idx="2">
+            <a:schemeClr val="accent1"/>
+          </a:lnRef>
+          <a:fillRef idx="0">
+            <a:schemeClr val="accent1"/>
+          </a:fillRef>
+          <a:effectRef idx="1">
+            <a:schemeClr val="accent1"/>
+          </a:effectRef>
+          <a:fontRef idx="minor">
+            <a:schemeClr val="tx1"/>
+          </a:fontRef>
+        </p:style>
+      </p:cxnSp>
+      <p:sp>
+        <p:nvSpPr>
+          <p:cNvPr id="15" name="TextBox 14">
+            <a:extLst>
+              <a:ext uri="{FF2B5EF4-FFF2-40B4-BE49-F238E27FC236}">
+                <a16:creationId xmlns:a16="http://schemas.microsoft.com/office/drawing/2014/main" id="{9BA14593-18FA-8DCC-936C-B78C82AE4B2F}"/>
+              </a:ext>
+            </a:extLst>
+          </p:cNvPr>
+          <p:cNvSpPr txBox="1"/>
+          <p:nvPr/>
+        </p:nvSpPr>
+        <p:spPr>
+          <a:xfrm>
+            <a:off x="8048530" y="852885"/>
+            <a:ext cx="2580238" cy="369332"/>
+          </a:xfrm>
+          <a:prstGeom prst="rect">
+            <a:avLst/>
+          </a:prstGeom>
+          <a:noFill/>
+        </p:spPr>
+        <p:txBody>
+          <a:bodyPr wrap="square" rtlCol="0">
+            <a:spAutoFit/>
+          </a:bodyPr>
+          <a:lstStyle/>
+          <a:p>
+            <a:r>
+              <a:rPr lang="ko-KR" altLang="en-US" dirty="0"/>
+              <a:t>현재 우리의 위치</a:t>
+            </a:r>
+          </a:p>
+        </p:txBody>
+      </p:sp>
+    </p:spTree>
+    <p:extLst>
+      <p:ext uri="{BB962C8B-B14F-4D97-AF65-F5344CB8AC3E}">
+        <p14:creationId xmlns:p14="http://schemas.microsoft.com/office/powerpoint/2010/main" val="3799346915"/>
+      </p:ext>
+    </p:extLst>
+  </p:cSld>
+  <p:clrMapOvr>
+    <a:masterClrMapping/>
+  </p:clrMapOvr>
+</p:sld>
+</file>
+
+<file path=ppt/slides/slide6.xml><?xml version="1.0" encoding="utf-8"?>
+<p:sld xmlns:a="http://schemas.openxmlformats.org/drawingml/2006/main" xmlns:r="http://schemas.openxmlformats.org/officeDocument/2006/relationships" xmlns:p="http://schemas.openxmlformats.org/presentationml/2006/main">
+  <p:cSld>
+    <p:spTree>
+      <p:nvGrpSpPr>
+        <p:cNvPr id="1" name=""/>
+        <p:cNvGrpSpPr/>
+        <p:nvPr/>
+      </p:nvGrpSpPr>
+      <p:grpSpPr>
+        <a:xfrm>
+          <a:off x="0" y="0"/>
+          <a:ext cx="0" cy="0"/>
+          <a:chOff x="0" y="0"/>
+          <a:chExt cx="0" cy="0"/>
+        </a:xfrm>
+      </p:grpSpPr>
+      <p:sp>
+        <p:nvSpPr>
+          <p:cNvPr id="7" name="직사각형 6">
+            <a:extLst>
+              <a:ext uri="{FF2B5EF4-FFF2-40B4-BE49-F238E27FC236}">
+                <a16:creationId xmlns:a16="http://schemas.microsoft.com/office/drawing/2014/main" id="{4A40CDE3-E3E5-9994-2DD9-80ABA384A7D0}"/>
+              </a:ext>
+            </a:extLst>
+          </p:cNvPr>
+          <p:cNvSpPr/>
+          <p:nvPr/>
+        </p:nvSpPr>
+        <p:spPr>
+          <a:xfrm>
+            <a:off x="4682149" y="991355"/>
+            <a:ext cx="1834836" cy="1240325"/>
+          </a:xfrm>
+          <a:prstGeom prst="rect">
+            <a:avLst/>
+          </a:prstGeom>
+        </p:spPr>
+        <p:style>
+          <a:lnRef idx="2">
+            <a:schemeClr val="accent2">
+              <a:shade val="15000"/>
+            </a:schemeClr>
+          </a:lnRef>
+          <a:fillRef idx="1">
+            <a:schemeClr val="accent2"/>
+          </a:fillRef>
+          <a:effectRef idx="0">
+            <a:schemeClr val="accent2"/>
+          </a:effectRef>
+          <a:fontRef idx="minor">
+            <a:schemeClr val="lt1"/>
+          </a:fontRef>
+        </p:style>
+        <p:txBody>
+          <a:bodyPr rtlCol="0" anchor="ctr"/>
+          <a:lstStyle/>
+          <a:p>
+            <a:pPr algn="ctr"/>
+            <a:r>
+              <a:rPr lang="ko-KR" altLang="en-US" dirty="0"/>
+              <a:t>프로그램</a:t>
+            </a:r>
+          </a:p>
+        </p:txBody>
+      </p:sp>
+      <p:sp>
+        <p:nvSpPr>
+          <p:cNvPr id="2" name="타원 1">
+            <a:extLst>
+              <a:ext uri="{FF2B5EF4-FFF2-40B4-BE49-F238E27FC236}">
+                <a16:creationId xmlns:a16="http://schemas.microsoft.com/office/drawing/2014/main" id="{53504A40-5F6B-4142-9A55-A47DA4E6ABB1}"/>
+              </a:ext>
+            </a:extLst>
+          </p:cNvPr>
+          <p:cNvSpPr/>
+          <p:nvPr/>
+        </p:nvSpPr>
+        <p:spPr>
+          <a:xfrm>
+            <a:off x="2634557" y="4626321"/>
+            <a:ext cx="5930020" cy="1358020"/>
+          </a:xfrm>
+          <a:prstGeom prst="ellipse">
+            <a:avLst/>
+          </a:prstGeom>
+        </p:spPr>
+        <p:style>
+          <a:lnRef idx="2">
+            <a:schemeClr val="accent4">
+              <a:shade val="15000"/>
+            </a:schemeClr>
+          </a:lnRef>
+          <a:fillRef idx="1">
+            <a:schemeClr val="accent4"/>
+          </a:fillRef>
+          <a:effectRef idx="0">
+            <a:schemeClr val="accent4"/>
+          </a:effectRef>
+          <a:fontRef idx="minor">
+            <a:schemeClr val="lt1"/>
+          </a:fontRef>
+        </p:style>
+        <p:txBody>
+          <a:bodyPr rtlCol="0" anchor="ctr"/>
+          <a:lstStyle/>
+          <a:p>
+            <a:pPr algn="ctr"/>
+            <a:r>
+              <a:rPr lang="en-US" altLang="ko-KR" dirty="0"/>
+              <a:t>OS</a:t>
+            </a:r>
+            <a:endParaRPr lang="ko-KR" altLang="en-US" dirty="0"/>
+          </a:p>
+        </p:txBody>
+      </p:sp>
+      <p:cxnSp>
+        <p:nvCxnSpPr>
+          <p:cNvPr id="5" name="직선 화살표 연결선 4">
+            <a:extLst>
+              <a:ext uri="{FF2B5EF4-FFF2-40B4-BE49-F238E27FC236}">
+                <a16:creationId xmlns:a16="http://schemas.microsoft.com/office/drawing/2014/main" id="{279A6C18-E69C-810F-7793-EC4FF995D279}"/>
+              </a:ext>
+            </a:extLst>
+          </p:cNvPr>
+          <p:cNvCxnSpPr/>
+          <p:nvPr/>
+        </p:nvCxnSpPr>
+        <p:spPr>
+          <a:xfrm>
+            <a:off x="5599567" y="2544024"/>
+            <a:ext cx="0" cy="1792586"/>
+          </a:xfrm>
+          <a:prstGeom prst="straightConnector1">
+            <a:avLst/>
+          </a:prstGeom>
+          <a:ln>
+            <a:tailEnd type="triangle"/>
+          </a:ln>
+        </p:spPr>
+        <p:style>
+          <a:lnRef idx="2">
+            <a:schemeClr val="accent1"/>
+          </a:lnRef>
+          <a:fillRef idx="0">
+            <a:schemeClr val="accent1"/>
+          </a:fillRef>
+          <a:effectRef idx="1">
+            <a:schemeClr val="accent1"/>
+          </a:effectRef>
+          <a:fontRef idx="minor">
+            <a:schemeClr val="tx1"/>
+          </a:fontRef>
+        </p:style>
+      </p:cxnSp>
+      <p:sp>
+        <p:nvSpPr>
+          <p:cNvPr id="6" name="사각형: 둥근 모서리 5">
+            <a:extLst>
+              <a:ext uri="{FF2B5EF4-FFF2-40B4-BE49-F238E27FC236}">
+                <a16:creationId xmlns:a16="http://schemas.microsoft.com/office/drawing/2014/main" id="{F4720B8E-3A22-0246-5EE5-9B66604EA35A}"/>
+              </a:ext>
+            </a:extLst>
+          </p:cNvPr>
+          <p:cNvSpPr/>
+          <p:nvPr/>
+        </p:nvSpPr>
+        <p:spPr>
+          <a:xfrm>
+            <a:off x="5712738" y="3107602"/>
+            <a:ext cx="2779412" cy="332715"/>
+          </a:xfrm>
+          <a:prstGeom prst="roundRect">
+            <a:avLst/>
+          </a:prstGeom>
+        </p:spPr>
+        <p:style>
+          <a:lnRef idx="2">
+            <a:schemeClr val="accent1">
+              <a:shade val="15000"/>
+            </a:schemeClr>
+          </a:lnRef>
+          <a:fillRef idx="1">
+            <a:schemeClr val="accent1"/>
+          </a:fillRef>
+          <a:effectRef idx="0">
+            <a:schemeClr val="accent1"/>
+          </a:effectRef>
+          <a:fontRef idx="minor">
+            <a:schemeClr val="lt1"/>
+          </a:fontRef>
+        </p:style>
+        <p:txBody>
+          <a:bodyPr rtlCol="0" anchor="ctr"/>
+          <a:lstStyle/>
+          <a:p>
+            <a:pPr algn="ctr"/>
+            <a:r>
+              <a:rPr lang="ko-KR" altLang="en-US" dirty="0"/>
+              <a:t>컴파일</a:t>
+            </a:r>
+            <a:r>
+              <a:rPr lang="en-US" altLang="ko-KR" dirty="0"/>
+              <a:t>/</a:t>
+            </a:r>
+            <a:r>
+              <a:rPr lang="ko-KR" altLang="en-US" dirty="0"/>
+              <a:t>빌드</a:t>
+            </a:r>
+          </a:p>
+        </p:txBody>
+      </p:sp>
+      <p:sp>
+        <p:nvSpPr>
+          <p:cNvPr id="8" name="타원 7">
+            <a:extLst>
+              <a:ext uri="{FF2B5EF4-FFF2-40B4-BE49-F238E27FC236}">
+                <a16:creationId xmlns:a16="http://schemas.microsoft.com/office/drawing/2014/main" id="{C3D5446A-0983-8613-AA7D-6E36E9B3715C}"/>
+              </a:ext>
+            </a:extLst>
+          </p:cNvPr>
+          <p:cNvSpPr/>
+          <p:nvPr/>
+        </p:nvSpPr>
+        <p:spPr>
+          <a:xfrm>
+            <a:off x="8021369" y="2825812"/>
+            <a:ext cx="2064192" cy="896293"/>
+          </a:xfrm>
+          <a:prstGeom prst="ellipse">
+            <a:avLst/>
+          </a:prstGeom>
+        </p:spPr>
+        <p:style>
+          <a:lnRef idx="2">
+            <a:schemeClr val="accent4">
+              <a:shade val="15000"/>
+            </a:schemeClr>
+          </a:lnRef>
+          <a:fillRef idx="1">
+            <a:schemeClr val="accent4"/>
+          </a:fillRef>
+          <a:effectRef idx="0">
+            <a:schemeClr val="accent4"/>
+          </a:effectRef>
+          <a:fontRef idx="minor">
+            <a:schemeClr val="lt1"/>
+          </a:fontRef>
+        </p:style>
+        <p:txBody>
+          <a:bodyPr rtlCol="0" anchor="ctr"/>
+          <a:lstStyle/>
+          <a:p>
+            <a:pPr algn="ctr"/>
+            <a:r>
+              <a:rPr lang="ko-KR" altLang="en-US" dirty="0"/>
+              <a:t>언어마다 </a:t>
+            </a:r>
+            <a:endParaRPr lang="en-US" altLang="ko-KR" dirty="0"/>
+          </a:p>
+          <a:p>
+            <a:pPr algn="ctr"/>
+            <a:r>
+              <a:rPr lang="ko-KR" altLang="en-US" dirty="0"/>
+              <a:t>다름</a:t>
+            </a:r>
+          </a:p>
+        </p:txBody>
+      </p:sp>
+    </p:spTree>
+    <p:extLst>
+      <p:ext uri="{BB962C8B-B14F-4D97-AF65-F5344CB8AC3E}">
+        <p14:creationId xmlns:p14="http://schemas.microsoft.com/office/powerpoint/2010/main" val="3220968038"/>
+      </p:ext>
+    </p:extLst>
+  </p:cSld>
+  <p:clrMapOvr>
+    <a:masterClrMapping/>
+  </p:clrMapOvr>
+</p:sld>
+</file>
+
+<file path=ppt/slides/slide7.xml><?xml version="1.0" encoding="utf-8"?>
+<p:sld xmlns:a="http://schemas.openxmlformats.org/drawingml/2006/main" xmlns:r="http://schemas.openxmlformats.org/officeDocument/2006/relationships" xmlns:p="http://schemas.openxmlformats.org/presentationml/2006/main">
+  <p:cSld>
+    <p:spTree>
+      <p:nvGrpSpPr>
+        <p:cNvPr id="1" name=""/>
+        <p:cNvGrpSpPr/>
+        <p:nvPr/>
+      </p:nvGrpSpPr>
+      <p:grpSpPr>
+        <a:xfrm>
+          <a:off x="0" y="0"/>
+          <a:ext cx="0" cy="0"/>
+          <a:chOff x="0" y="0"/>
+          <a:chExt cx="0" cy="0"/>
+        </a:xfrm>
+      </p:grpSpPr>
+      <p:sp>
+        <p:nvSpPr>
+          <p:cNvPr id="7" name="TextBox 6">
+            <a:extLst>
+              <a:ext uri="{FF2B5EF4-FFF2-40B4-BE49-F238E27FC236}">
+                <a16:creationId xmlns:a16="http://schemas.microsoft.com/office/drawing/2014/main" id="{B71F37E3-D199-D81E-3986-1DFC3B9F60B7}"/>
+              </a:ext>
+            </a:extLst>
+          </p:cNvPr>
+          <p:cNvSpPr txBox="1"/>
+          <p:nvPr/>
+        </p:nvSpPr>
+        <p:spPr>
+          <a:xfrm>
+            <a:off x="1781269" y="1766448"/>
+            <a:ext cx="6097508" cy="2308324"/>
+          </a:xfrm>
+          <a:prstGeom prst="rect">
+            <a:avLst/>
+          </a:prstGeom>
+          <a:noFill/>
+        </p:spPr>
+        <p:txBody>
+          <a:bodyPr wrap="square">
+            <a:spAutoFit/>
+          </a:bodyPr>
+          <a:lstStyle/>
+          <a:p>
+            <a:r>
+              <a:rPr lang="en-US" altLang="ko-KR" dirty="0"/>
+              <a:t>#include &lt;</a:t>
+            </a:r>
+            <a:r>
+              <a:rPr lang="en-US" altLang="ko-KR" dirty="0" err="1"/>
+              <a:t>stdio.h</a:t>
+            </a:r>
+            <a:r>
+              <a:rPr lang="en-US" altLang="ko-KR" dirty="0"/>
+              <a:t>&gt;</a:t>
+            </a:r>
+          </a:p>
+          <a:p>
+            <a:endParaRPr lang="en-US" altLang="ko-KR" dirty="0"/>
+          </a:p>
+          <a:p>
+            <a:r>
+              <a:rPr lang="en-US" altLang="ko-KR" dirty="0"/>
+              <a:t>int main() </a:t>
+            </a:r>
+          </a:p>
+          <a:p>
+            <a:r>
+              <a:rPr lang="en-US" altLang="ko-KR" dirty="0"/>
+              <a:t>{</a:t>
+            </a:r>
+          </a:p>
+          <a:p>
+            <a:r>
+              <a:rPr lang="en-US" altLang="ko-KR" dirty="0"/>
+              <a:t>    </a:t>
+            </a:r>
+            <a:r>
+              <a:rPr lang="en-US" altLang="ko-KR" dirty="0" err="1"/>
+              <a:t>printf</a:t>
+            </a:r>
+            <a:r>
+              <a:rPr lang="en-US" altLang="ko-KR" dirty="0"/>
+              <a:t>("Hello, world!\n");</a:t>
+            </a:r>
+          </a:p>
+          <a:p>
+            <a:endParaRPr lang="en-US" altLang="ko-KR" dirty="0"/>
+          </a:p>
+          <a:p>
+            <a:r>
+              <a:rPr lang="en-US" altLang="ko-KR" dirty="0"/>
+              <a:t>    return 0;</a:t>
+            </a:r>
+          </a:p>
+          <a:p>
+            <a:r>
+              <a:rPr lang="en-US" altLang="ko-KR" dirty="0"/>
+              <a:t>}</a:t>
+            </a:r>
+          </a:p>
+        </p:txBody>
+      </p:sp>
+    </p:spTree>
+    <p:extLst>
+      <p:ext uri="{BB962C8B-B14F-4D97-AF65-F5344CB8AC3E}">
+        <p14:creationId xmlns:p14="http://schemas.microsoft.com/office/powerpoint/2010/main" val="3087136236"/>
+      </p:ext>
+    </p:extLst>
+  </p:cSld>
+  <p:clrMapOvr>
+    <a:masterClrMapping/>
+  </p:clrMapOvr>
+</p:sld>
+</file>
+
+<file path=ppt/slides/slide8.xml><?xml version="1.0" encoding="utf-8"?>
+<p:sld xmlns:a="http://schemas.openxmlformats.org/drawingml/2006/main" xmlns:r="http://schemas.openxmlformats.org/officeDocument/2006/relationships" xmlns:p="http://schemas.openxmlformats.org/presentationml/2006/main">
+  <p:cSld>
+    <p:spTree>
+      <p:nvGrpSpPr>
+        <p:cNvPr id="1" name=""/>
+        <p:cNvGrpSpPr/>
+        <p:nvPr/>
+      </p:nvGrpSpPr>
+      <p:grpSpPr>
+        <a:xfrm>
+          <a:off x="0" y="0"/>
+          <a:ext cx="0" cy="0"/>
+          <a:chOff x="0" y="0"/>
+          <a:chExt cx="0" cy="0"/>
+        </a:xfrm>
+      </p:grpSpPr>
+      <p:sp>
+        <p:nvSpPr>
+          <p:cNvPr id="5" name="TextBox 4">
+            <a:extLst>
+              <a:ext uri="{FF2B5EF4-FFF2-40B4-BE49-F238E27FC236}">
+                <a16:creationId xmlns:a16="http://schemas.microsoft.com/office/drawing/2014/main" id="{5E5872F8-0FE2-C0A4-939D-31A1C6E3DBFD}"/>
+              </a:ext>
+            </a:extLst>
+          </p:cNvPr>
+          <p:cNvSpPr txBox="1"/>
+          <p:nvPr/>
+        </p:nvSpPr>
+        <p:spPr>
+          <a:xfrm>
+            <a:off x="1348967" y="1556793"/>
+            <a:ext cx="6097508" cy="369332"/>
+          </a:xfrm>
+          <a:prstGeom prst="rect">
+            <a:avLst/>
+          </a:prstGeom>
+          <a:noFill/>
+        </p:spPr>
+        <p:txBody>
+          <a:bodyPr wrap="square">
+            <a:spAutoFit/>
+          </a:bodyPr>
+          <a:lstStyle/>
+          <a:p>
+            <a:r>
+              <a:rPr lang="ko-KR" altLang="en-US" dirty="0">
+                <a:hlinkClick r:id="rId2"/>
+              </a:rPr>
+              <a:t>https://www.mingw-w64.org/downloads/</a:t>
+            </a:r>
+            <a:endParaRPr lang="ko-KR" altLang="en-US" dirty="0"/>
+          </a:p>
+        </p:txBody>
+      </p:sp>
+      <p:sp>
+        <p:nvSpPr>
+          <p:cNvPr id="6" name="TextBox 5">
+            <a:extLst>
+              <a:ext uri="{FF2B5EF4-FFF2-40B4-BE49-F238E27FC236}">
+                <a16:creationId xmlns:a16="http://schemas.microsoft.com/office/drawing/2014/main" id="{AF57EBD9-F204-C6F5-BFC7-BF2F07822EC5}"/>
+              </a:ext>
+            </a:extLst>
+          </p:cNvPr>
+          <p:cNvSpPr txBox="1"/>
+          <p:nvPr/>
+        </p:nvSpPr>
+        <p:spPr>
+          <a:xfrm>
+            <a:off x="1348967" y="805758"/>
+            <a:ext cx="5803272" cy="369332"/>
+          </a:xfrm>
+          <a:prstGeom prst="rect">
+            <a:avLst/>
+          </a:prstGeom>
+          <a:noFill/>
+        </p:spPr>
+        <p:txBody>
+          <a:bodyPr wrap="square" rtlCol="0">
+            <a:spAutoFit/>
+          </a:bodyPr>
+          <a:lstStyle/>
+          <a:p>
+            <a:r>
+              <a:rPr lang="ko-KR" altLang="en-US" dirty="0"/>
+              <a:t>컴파일러 다운로드 받기 </a:t>
+            </a:r>
+            <a:r>
+              <a:rPr lang="en-US" altLang="ko-KR" dirty="0"/>
+              <a:t>- </a:t>
+            </a:r>
+            <a:endParaRPr lang="ko-KR" altLang="en-US" dirty="0"/>
+          </a:p>
+        </p:txBody>
+      </p:sp>
+      <p:sp>
+        <p:nvSpPr>
+          <p:cNvPr id="8" name="TextBox 7">
+            <a:extLst>
+              <a:ext uri="{FF2B5EF4-FFF2-40B4-BE49-F238E27FC236}">
+                <a16:creationId xmlns:a16="http://schemas.microsoft.com/office/drawing/2014/main" id="{71031461-E1AB-FC3B-DA27-3E326E710867}"/>
+              </a:ext>
+            </a:extLst>
+          </p:cNvPr>
+          <p:cNvSpPr txBox="1"/>
+          <p:nvPr/>
+        </p:nvSpPr>
+        <p:spPr>
+          <a:xfrm>
+            <a:off x="1348967" y="3826020"/>
+            <a:ext cx="6097508" cy="369332"/>
+          </a:xfrm>
+          <a:prstGeom prst="rect">
+            <a:avLst/>
+          </a:prstGeom>
+          <a:noFill/>
+        </p:spPr>
+        <p:txBody>
+          <a:bodyPr wrap="square">
+            <a:spAutoFit/>
+          </a:bodyPr>
+          <a:lstStyle/>
+          <a:p>
+            <a:r>
+              <a:rPr lang="ko-KR" altLang="en-US" dirty="0" err="1"/>
+              <a:t>gcc</a:t>
+            </a:r>
+            <a:r>
+              <a:rPr lang="ko-KR" altLang="en-US" dirty="0"/>
+              <a:t> -</a:t>
+            </a:r>
+            <a:r>
+              <a:rPr lang="ko-KR" altLang="en-US" dirty="0" err="1"/>
+              <a:t>o</a:t>
+            </a:r>
+            <a:r>
+              <a:rPr lang="ko-KR" altLang="en-US" dirty="0"/>
+              <a:t> 실행파일명.exe </a:t>
+            </a:r>
+            <a:r>
+              <a:rPr lang="ko-KR" altLang="en-US" dirty="0" err="1"/>
+              <a:t>작성파일.c</a:t>
+            </a:r>
+            <a:endParaRPr lang="ko-KR" altLang="en-US" dirty="0"/>
+          </a:p>
+        </p:txBody>
+      </p:sp>
+      <p:sp>
+        <p:nvSpPr>
+          <p:cNvPr id="9" name="TextBox 8">
+            <a:extLst>
+              <a:ext uri="{FF2B5EF4-FFF2-40B4-BE49-F238E27FC236}">
+                <a16:creationId xmlns:a16="http://schemas.microsoft.com/office/drawing/2014/main" id="{227F39A9-BA0D-3967-6C67-6DC7C9CB0DBF}"/>
+              </a:ext>
+            </a:extLst>
+          </p:cNvPr>
+          <p:cNvSpPr txBox="1"/>
+          <p:nvPr/>
+        </p:nvSpPr>
+        <p:spPr>
+          <a:xfrm>
+            <a:off x="1348967" y="3429000"/>
+            <a:ext cx="2399169" cy="369332"/>
+          </a:xfrm>
+          <a:prstGeom prst="rect">
+            <a:avLst/>
+          </a:prstGeom>
+          <a:noFill/>
+        </p:spPr>
+        <p:txBody>
+          <a:bodyPr wrap="square" rtlCol="0">
+            <a:spAutoFit/>
+          </a:bodyPr>
+          <a:lstStyle/>
+          <a:p>
+            <a:r>
+              <a:rPr lang="ko-KR" altLang="en-US" dirty="0"/>
+              <a:t>컴파일 명령어</a:t>
+            </a:r>
+          </a:p>
+        </p:txBody>
+      </p:sp>
+    </p:spTree>
+    <p:extLst>
+      <p:ext uri="{BB962C8B-B14F-4D97-AF65-F5344CB8AC3E}">
+        <p14:creationId xmlns:p14="http://schemas.microsoft.com/office/powerpoint/2010/main" val="2422357182"/>
+      </p:ext>
+    </p:extLst>
+  </p:cSld>
+  <p:clrMapOvr>
+    <a:masterClrMapping/>
+  </p:clrMapOvr>
+</p:sld>
+</file>
+
+<file path=ppt/slides/slide9.xml><?xml version="1.0" encoding="utf-8"?>
+<p:sld xmlns:a="http://schemas.openxmlformats.org/drawingml/2006/main" xmlns:r="http://schemas.openxmlformats.org/officeDocument/2006/relationships" xmlns:p="http://schemas.openxmlformats.org/presentationml/2006/main">
+  <p:cSld>
+    <p:spTree>
+      <p:nvGrpSpPr>
+        <p:cNvPr id="1" name=""/>
+        <p:cNvGrpSpPr/>
+        <p:nvPr/>
+      </p:nvGrpSpPr>
+      <p:grpSpPr>
+        <a:xfrm>
+          <a:off x="0" y="0"/>
+          <a:ext cx="0" cy="0"/>
+          <a:chOff x="0" y="0"/>
+          <a:chExt cx="0" cy="0"/>
+        </a:xfrm>
+      </p:grpSpPr>
+      <p:sp>
+        <p:nvSpPr>
+          <p:cNvPr id="4" name="TextBox 3">
+            <a:extLst>
+              <a:ext uri="{FF2B5EF4-FFF2-40B4-BE49-F238E27FC236}">
+                <a16:creationId xmlns:a16="http://schemas.microsoft.com/office/drawing/2014/main" id="{31F82C45-BB41-2AC5-2FE6-6EE8F647C3F2}"/>
+              </a:ext>
+            </a:extLst>
+          </p:cNvPr>
+          <p:cNvSpPr txBox="1"/>
+          <p:nvPr/>
+        </p:nvSpPr>
+        <p:spPr>
+          <a:xfrm>
+            <a:off x="1781268" y="1766448"/>
+            <a:ext cx="6851287" cy="3416320"/>
+          </a:xfrm>
+          <a:prstGeom prst="rect">
+            <a:avLst/>
+          </a:prstGeom>
+          <a:noFill/>
+        </p:spPr>
+        <p:txBody>
+          <a:bodyPr wrap="square">
+            <a:spAutoFit/>
+          </a:bodyPr>
+          <a:lstStyle/>
+          <a:p>
+            <a:r>
+              <a:rPr lang="en-US" altLang="ko-KR" dirty="0"/>
+              <a:t>#include &lt;</a:t>
+            </a:r>
+            <a:r>
+              <a:rPr lang="en-US" altLang="ko-KR" dirty="0" err="1"/>
+              <a:t>stdio.h</a:t>
+            </a:r>
+            <a:r>
+              <a:rPr lang="en-US" altLang="ko-KR" dirty="0"/>
+              <a:t>&gt;</a:t>
+            </a:r>
+          </a:p>
+          <a:p>
+            <a:r>
+              <a:rPr lang="en-US" altLang="ko-KR" dirty="0"/>
+              <a:t>#include &lt;</a:t>
+            </a:r>
+            <a:r>
+              <a:rPr lang="en-US" altLang="ko-KR" dirty="0" err="1"/>
+              <a:t>unistd.h</a:t>
+            </a:r>
+            <a:r>
+              <a:rPr lang="en-US" altLang="ko-KR" dirty="0"/>
+              <a:t>&gt; // sleep </a:t>
+            </a:r>
+            <a:r>
+              <a:rPr lang="ko-KR" altLang="en-US" dirty="0"/>
+              <a:t>함수를 사용하기 위해 포함</a:t>
+            </a:r>
+          </a:p>
+          <a:p>
+            <a:endParaRPr lang="ko-KR" altLang="en-US" dirty="0"/>
+          </a:p>
+          <a:p>
+            <a:r>
+              <a:rPr lang="en-US" altLang="ko-KR" dirty="0"/>
+              <a:t>int main() </a:t>
+            </a:r>
+          </a:p>
+          <a:p>
+            <a:r>
+              <a:rPr lang="en-US" altLang="ko-KR" dirty="0"/>
+              <a:t>{</a:t>
+            </a:r>
+          </a:p>
+          <a:p>
+            <a:r>
+              <a:rPr lang="en-US" altLang="ko-KR" dirty="0"/>
+              <a:t>    </a:t>
+            </a:r>
+            <a:r>
+              <a:rPr lang="en-US" altLang="ko-KR" dirty="0" err="1"/>
+              <a:t>printf</a:t>
+            </a:r>
+            <a:r>
+              <a:rPr lang="en-US" altLang="ko-KR" dirty="0"/>
+              <a:t>("Hello, world!\n");</a:t>
+            </a:r>
+          </a:p>
+          <a:p>
+            <a:endParaRPr lang="en-US" altLang="ko-KR" dirty="0"/>
+          </a:p>
+          <a:p>
+            <a:r>
+              <a:rPr lang="en-US" altLang="ko-KR" dirty="0"/>
+              <a:t>    // 5</a:t>
+            </a:r>
+            <a:r>
+              <a:rPr lang="ko-KR" altLang="en-US" dirty="0"/>
+              <a:t>초 동안 대기</a:t>
+            </a:r>
+          </a:p>
+          <a:p>
+            <a:r>
+              <a:rPr lang="ko-KR" altLang="en-US" dirty="0"/>
+              <a:t>    </a:t>
+            </a:r>
+            <a:r>
+              <a:rPr lang="en-US" altLang="ko-KR" dirty="0"/>
+              <a:t>sleep(5);</a:t>
+            </a:r>
+          </a:p>
+          <a:p>
+            <a:endParaRPr lang="en-US" altLang="ko-KR" dirty="0"/>
+          </a:p>
+          <a:p>
+            <a:r>
+              <a:rPr lang="en-US" altLang="ko-KR" dirty="0"/>
+              <a:t>    return 0;</a:t>
+            </a:r>
+          </a:p>
+          <a:p>
+            <a:r>
+              <a:rPr lang="en-US" altLang="ko-KR" dirty="0"/>
+              <a:t>}</a:t>
+            </a:r>
+          </a:p>
+        </p:txBody>
+      </p:sp>
+    </p:spTree>
+    <p:extLst>
+      <p:ext uri="{BB962C8B-B14F-4D97-AF65-F5344CB8AC3E}">
+        <p14:creationId xmlns:p14="http://schemas.microsoft.com/office/powerpoint/2010/main" val="2726502941"/>
       </p:ext>
     </p:extLst>
   </p:cSld>

--- a/Week_1.pptx
+++ b/Week_1.pptx
@@ -267,7 +267,7 @@
           <a:p>
             <a:fld id="{459B6B1B-908D-4BFD-AE3C-9545F0632E54}" type="datetimeFigureOut">
               <a:rPr lang="ko-KR" altLang="en-US" smtClean="0"/>
-              <a:t>2024-05-05</a:t>
+              <a:t>2024-05-06</a:t>
             </a:fld>
             <a:endParaRPr lang="ko-KR" altLang="en-US"/>
           </a:p>
@@ -465,7 +465,7 @@
           <a:p>
             <a:fld id="{459B6B1B-908D-4BFD-AE3C-9545F0632E54}" type="datetimeFigureOut">
               <a:rPr lang="ko-KR" altLang="en-US" smtClean="0"/>
-              <a:t>2024-05-05</a:t>
+              <a:t>2024-05-06</a:t>
             </a:fld>
             <a:endParaRPr lang="ko-KR" altLang="en-US"/>
           </a:p>
@@ -673,7 +673,7 @@
           <a:p>
             <a:fld id="{459B6B1B-908D-4BFD-AE3C-9545F0632E54}" type="datetimeFigureOut">
               <a:rPr lang="ko-KR" altLang="en-US" smtClean="0"/>
-              <a:t>2024-05-05</a:t>
+              <a:t>2024-05-06</a:t>
             </a:fld>
             <a:endParaRPr lang="ko-KR" altLang="en-US"/>
           </a:p>
@@ -871,7 +871,7 @@
           <a:p>
             <a:fld id="{459B6B1B-908D-4BFD-AE3C-9545F0632E54}" type="datetimeFigureOut">
               <a:rPr lang="ko-KR" altLang="en-US" smtClean="0"/>
-              <a:t>2024-05-05</a:t>
+              <a:t>2024-05-06</a:t>
             </a:fld>
             <a:endParaRPr lang="ko-KR" altLang="en-US"/>
           </a:p>
@@ -1146,7 +1146,7 @@
           <a:p>
             <a:fld id="{459B6B1B-908D-4BFD-AE3C-9545F0632E54}" type="datetimeFigureOut">
               <a:rPr lang="ko-KR" altLang="en-US" smtClean="0"/>
-              <a:t>2024-05-05</a:t>
+              <a:t>2024-05-06</a:t>
             </a:fld>
             <a:endParaRPr lang="ko-KR" altLang="en-US"/>
           </a:p>
@@ -1411,7 +1411,7 @@
           <a:p>
             <a:fld id="{459B6B1B-908D-4BFD-AE3C-9545F0632E54}" type="datetimeFigureOut">
               <a:rPr lang="ko-KR" altLang="en-US" smtClean="0"/>
-              <a:t>2024-05-05</a:t>
+              <a:t>2024-05-06</a:t>
             </a:fld>
             <a:endParaRPr lang="ko-KR" altLang="en-US"/>
           </a:p>
@@ -1823,7 +1823,7 @@
           <a:p>
             <a:fld id="{459B6B1B-908D-4BFD-AE3C-9545F0632E54}" type="datetimeFigureOut">
               <a:rPr lang="ko-KR" altLang="en-US" smtClean="0"/>
-              <a:t>2024-05-05</a:t>
+              <a:t>2024-05-06</a:t>
             </a:fld>
             <a:endParaRPr lang="ko-KR" altLang="en-US"/>
           </a:p>
@@ -1964,7 +1964,7 @@
           <a:p>
             <a:fld id="{459B6B1B-908D-4BFD-AE3C-9545F0632E54}" type="datetimeFigureOut">
               <a:rPr lang="ko-KR" altLang="en-US" smtClean="0"/>
-              <a:t>2024-05-05</a:t>
+              <a:t>2024-05-06</a:t>
             </a:fld>
             <a:endParaRPr lang="ko-KR" altLang="en-US"/>
           </a:p>
@@ -2077,7 +2077,7 @@
           <a:p>
             <a:fld id="{459B6B1B-908D-4BFD-AE3C-9545F0632E54}" type="datetimeFigureOut">
               <a:rPr lang="ko-KR" altLang="en-US" smtClean="0"/>
-              <a:t>2024-05-05</a:t>
+              <a:t>2024-05-06</a:t>
             </a:fld>
             <a:endParaRPr lang="ko-KR" altLang="en-US"/>
           </a:p>
@@ -2388,7 +2388,7 @@
           <a:p>
             <a:fld id="{459B6B1B-908D-4BFD-AE3C-9545F0632E54}" type="datetimeFigureOut">
               <a:rPr lang="ko-KR" altLang="en-US" smtClean="0"/>
-              <a:t>2024-05-05</a:t>
+              <a:t>2024-05-06</a:t>
             </a:fld>
             <a:endParaRPr lang="ko-KR" altLang="en-US"/>
           </a:p>
@@ -2676,7 +2676,7 @@
           <a:p>
             <a:fld id="{459B6B1B-908D-4BFD-AE3C-9545F0632E54}" type="datetimeFigureOut">
               <a:rPr lang="ko-KR" altLang="en-US" smtClean="0"/>
-              <a:t>2024-05-05</a:t>
+              <a:t>2024-05-06</a:t>
             </a:fld>
             <a:endParaRPr lang="ko-KR" altLang="en-US"/>
           </a:p>
@@ -2917,7 +2917,7 @@
           <a:p>
             <a:fld id="{459B6B1B-908D-4BFD-AE3C-9545F0632E54}" type="datetimeFigureOut">
               <a:rPr lang="ko-KR" altLang="en-US" smtClean="0"/>
-              <a:t>2024-05-05</a:t>
+              <a:t>2024-05-06</a:t>
             </a:fld>
             <a:endParaRPr lang="ko-KR" altLang="en-US"/>
           </a:p>
@@ -5100,8 +5100,25 @@
             </a:r>
             <a:r>
               <a:rPr lang="en-US" altLang="ko-KR" dirty="0"/>
-              <a:t>&gt;</a:t>
-            </a:r>
+              <a:t>&gt;    // c </a:t>
+            </a:r>
+            <a:r>
+              <a:rPr lang="ko-KR" altLang="en-US" dirty="0"/>
+              <a:t>표준 라이브러리</a:t>
+            </a:r>
+            <a:r>
+              <a:rPr lang="en-US" altLang="ko-KR" dirty="0"/>
+              <a:t> ( </a:t>
+            </a:r>
+            <a:r>
+              <a:rPr lang="ko-KR" altLang="en-US" dirty="0"/>
+              <a:t>컴파일러 내장 </a:t>
+            </a:r>
+            <a:r>
+              <a:rPr lang="en-US" altLang="ko-KR"/>
+              <a:t>)</a:t>
+            </a:r>
+            <a:endParaRPr lang="en-US" altLang="ko-KR" dirty="0"/>
           </a:p>
           <a:p>
             <a:r>

--- a/Week_1.pptx
+++ b/Week_1.pptx
@@ -14,6 +14,8 @@
     <p:sldId id="262" r:id="rId8"/>
     <p:sldId id="263" r:id="rId9"/>
     <p:sldId id="264" r:id="rId10"/>
+    <p:sldId id="265" r:id="rId11"/>
+    <p:sldId id="266" r:id="rId12"/>
   </p:sldIdLst>
   <p:sldSz cx="12192000" cy="6858000"/>
   <p:notesSz cx="6858000" cy="9144000"/>
@@ -267,7 +269,7 @@
           <a:p>
             <a:fld id="{459B6B1B-908D-4BFD-AE3C-9545F0632E54}" type="datetimeFigureOut">
               <a:rPr lang="ko-KR" altLang="en-US" smtClean="0"/>
-              <a:t>2024-05-06</a:t>
+              <a:t>2024-05-08</a:t>
             </a:fld>
             <a:endParaRPr lang="ko-KR" altLang="en-US"/>
           </a:p>
@@ -465,7 +467,7 @@
           <a:p>
             <a:fld id="{459B6B1B-908D-4BFD-AE3C-9545F0632E54}" type="datetimeFigureOut">
               <a:rPr lang="ko-KR" altLang="en-US" smtClean="0"/>
-              <a:t>2024-05-06</a:t>
+              <a:t>2024-05-08</a:t>
             </a:fld>
             <a:endParaRPr lang="ko-KR" altLang="en-US"/>
           </a:p>
@@ -673,7 +675,7 @@
           <a:p>
             <a:fld id="{459B6B1B-908D-4BFD-AE3C-9545F0632E54}" type="datetimeFigureOut">
               <a:rPr lang="ko-KR" altLang="en-US" smtClean="0"/>
-              <a:t>2024-05-06</a:t>
+              <a:t>2024-05-08</a:t>
             </a:fld>
             <a:endParaRPr lang="ko-KR" altLang="en-US"/>
           </a:p>
@@ -871,7 +873,7 @@
           <a:p>
             <a:fld id="{459B6B1B-908D-4BFD-AE3C-9545F0632E54}" type="datetimeFigureOut">
               <a:rPr lang="ko-KR" altLang="en-US" smtClean="0"/>
-              <a:t>2024-05-06</a:t>
+              <a:t>2024-05-08</a:t>
             </a:fld>
             <a:endParaRPr lang="ko-KR" altLang="en-US"/>
           </a:p>
@@ -1146,7 +1148,7 @@
           <a:p>
             <a:fld id="{459B6B1B-908D-4BFD-AE3C-9545F0632E54}" type="datetimeFigureOut">
               <a:rPr lang="ko-KR" altLang="en-US" smtClean="0"/>
-              <a:t>2024-05-06</a:t>
+              <a:t>2024-05-08</a:t>
             </a:fld>
             <a:endParaRPr lang="ko-KR" altLang="en-US"/>
           </a:p>
@@ -1411,7 +1413,7 @@
           <a:p>
             <a:fld id="{459B6B1B-908D-4BFD-AE3C-9545F0632E54}" type="datetimeFigureOut">
               <a:rPr lang="ko-KR" altLang="en-US" smtClean="0"/>
-              <a:t>2024-05-06</a:t>
+              <a:t>2024-05-08</a:t>
             </a:fld>
             <a:endParaRPr lang="ko-KR" altLang="en-US"/>
           </a:p>
@@ -1823,7 +1825,7 @@
           <a:p>
             <a:fld id="{459B6B1B-908D-4BFD-AE3C-9545F0632E54}" type="datetimeFigureOut">
               <a:rPr lang="ko-KR" altLang="en-US" smtClean="0"/>
-              <a:t>2024-05-06</a:t>
+              <a:t>2024-05-08</a:t>
             </a:fld>
             <a:endParaRPr lang="ko-KR" altLang="en-US"/>
           </a:p>
@@ -1964,7 +1966,7 @@
           <a:p>
             <a:fld id="{459B6B1B-908D-4BFD-AE3C-9545F0632E54}" type="datetimeFigureOut">
               <a:rPr lang="ko-KR" altLang="en-US" smtClean="0"/>
-              <a:t>2024-05-06</a:t>
+              <a:t>2024-05-08</a:t>
             </a:fld>
             <a:endParaRPr lang="ko-KR" altLang="en-US"/>
           </a:p>
@@ -2077,7 +2079,7 @@
           <a:p>
             <a:fld id="{459B6B1B-908D-4BFD-AE3C-9545F0632E54}" type="datetimeFigureOut">
               <a:rPr lang="ko-KR" altLang="en-US" smtClean="0"/>
-              <a:t>2024-05-06</a:t>
+              <a:t>2024-05-08</a:t>
             </a:fld>
             <a:endParaRPr lang="ko-KR" altLang="en-US"/>
           </a:p>
@@ -2388,7 +2390,7 @@
           <a:p>
             <a:fld id="{459B6B1B-908D-4BFD-AE3C-9545F0632E54}" type="datetimeFigureOut">
               <a:rPr lang="ko-KR" altLang="en-US" smtClean="0"/>
-              <a:t>2024-05-06</a:t>
+              <a:t>2024-05-08</a:t>
             </a:fld>
             <a:endParaRPr lang="ko-KR" altLang="en-US"/>
           </a:p>
@@ -2676,7 +2678,7 @@
           <a:p>
             <a:fld id="{459B6B1B-908D-4BFD-AE3C-9545F0632E54}" type="datetimeFigureOut">
               <a:rPr lang="ko-KR" altLang="en-US" smtClean="0"/>
-              <a:t>2024-05-06</a:t>
+              <a:t>2024-05-08</a:t>
             </a:fld>
             <a:endParaRPr lang="ko-KR" altLang="en-US"/>
           </a:p>
@@ -2917,7 +2919,7 @@
           <a:p>
             <a:fld id="{459B6B1B-908D-4BFD-AE3C-9545F0632E54}" type="datetimeFigureOut">
               <a:rPr lang="ko-KR" altLang="en-US" smtClean="0"/>
-              <a:t>2024-05-06</a:t>
+              <a:t>2024-05-08</a:t>
             </a:fld>
             <a:endParaRPr lang="ko-KR" altLang="en-US"/>
           </a:p>
@@ -3375,6 +3377,868 @@
     <p:extLst>
       <p:ext uri="{BB962C8B-B14F-4D97-AF65-F5344CB8AC3E}">
         <p14:creationId xmlns:p14="http://schemas.microsoft.com/office/powerpoint/2010/main" val="3134512365"/>
+      </p:ext>
+    </p:extLst>
+  </p:cSld>
+  <p:clrMapOvr>
+    <a:masterClrMapping/>
+  </p:clrMapOvr>
+</p:sld>
+</file>
+
+<file path=ppt/slides/slide10.xml><?xml version="1.0" encoding="utf-8"?>
+<p:sld xmlns:a="http://schemas.openxmlformats.org/drawingml/2006/main" xmlns:r="http://schemas.openxmlformats.org/officeDocument/2006/relationships" xmlns:p="http://schemas.openxmlformats.org/presentationml/2006/main">
+  <p:cSld>
+    <p:spTree>
+      <p:nvGrpSpPr>
+        <p:cNvPr id="1" name=""/>
+        <p:cNvGrpSpPr/>
+        <p:nvPr/>
+      </p:nvGrpSpPr>
+      <p:grpSpPr>
+        <a:xfrm>
+          <a:off x="0" y="0"/>
+          <a:ext cx="0" cy="0"/>
+          <a:chOff x="0" y="0"/>
+          <a:chExt cx="0" cy="0"/>
+        </a:xfrm>
+      </p:grpSpPr>
+      <p:sp>
+        <p:nvSpPr>
+          <p:cNvPr id="6" name="TextBox 5">
+            <a:extLst>
+              <a:ext uri="{FF2B5EF4-FFF2-40B4-BE49-F238E27FC236}">
+                <a16:creationId xmlns:a16="http://schemas.microsoft.com/office/drawing/2014/main" id="{3593E46C-CF9C-CD60-545A-0F7BBEBD8022}"/>
+              </a:ext>
+            </a:extLst>
+          </p:cNvPr>
+          <p:cNvSpPr txBox="1"/>
+          <p:nvPr/>
+        </p:nvSpPr>
+        <p:spPr>
+          <a:xfrm>
+            <a:off x="923454" y="1131684"/>
+            <a:ext cx="9433711" cy="5632311"/>
+          </a:xfrm>
+          <a:prstGeom prst="rect">
+            <a:avLst/>
+          </a:prstGeom>
+          <a:noFill/>
+        </p:spPr>
+        <p:txBody>
+          <a:bodyPr wrap="square" rtlCol="0">
+            <a:spAutoFit/>
+          </a:bodyPr>
+          <a:lstStyle/>
+          <a:p>
+            <a:r>
+              <a:rPr lang="en-US" altLang="ko-KR" dirty="0"/>
+              <a:t> 1. char</a:t>
+            </a:r>
+          </a:p>
+          <a:p>
+            <a:r>
+              <a:rPr lang="en-US" altLang="ko-KR" dirty="0"/>
+              <a:t>- **</a:t>
+            </a:r>
+            <a:r>
+              <a:rPr lang="ko-KR" altLang="en-US" dirty="0"/>
+              <a:t>용량**</a:t>
+            </a:r>
+            <a:r>
+              <a:rPr lang="en-US" altLang="ko-KR" dirty="0"/>
+              <a:t>: 1</a:t>
+            </a:r>
+            <a:r>
+              <a:rPr lang="ko-KR" altLang="en-US" dirty="0"/>
+              <a:t>바이트 </a:t>
+            </a:r>
+            <a:r>
+              <a:rPr lang="en-US" altLang="ko-KR" dirty="0"/>
+              <a:t>(8</a:t>
+            </a:r>
+            <a:r>
+              <a:rPr lang="ko-KR" altLang="en-US" dirty="0"/>
+              <a:t>비트</a:t>
+            </a:r>
+            <a:r>
+              <a:rPr lang="en-US" altLang="ko-KR" dirty="0"/>
+              <a:t>)</a:t>
+            </a:r>
+          </a:p>
+          <a:p>
+            <a:r>
+              <a:rPr lang="en-US" altLang="ko-KR" dirty="0"/>
+              <a:t>- **</a:t>
+            </a:r>
+            <a:r>
+              <a:rPr lang="ko-KR" altLang="en-US" dirty="0"/>
+              <a:t>설명**</a:t>
+            </a:r>
+            <a:r>
+              <a:rPr lang="en-US" altLang="ko-KR" dirty="0"/>
+              <a:t>: </a:t>
+            </a:r>
+            <a:r>
+              <a:rPr lang="ko-KR" altLang="en-US" dirty="0"/>
+              <a:t>단일 문자를 저장하는 데 사용되며</a:t>
+            </a:r>
+            <a:r>
+              <a:rPr lang="en-US" altLang="ko-KR" dirty="0"/>
+              <a:t>, ASCII </a:t>
+            </a:r>
+            <a:r>
+              <a:rPr lang="ko-KR" altLang="en-US" dirty="0"/>
+              <a:t>코드나 다른 문자 코드를 저장할 수 있습니다</a:t>
+            </a:r>
+            <a:r>
+              <a:rPr lang="en-US" altLang="ko-KR" dirty="0"/>
+              <a:t>. </a:t>
+            </a:r>
+            <a:r>
+              <a:rPr lang="ko-KR" altLang="en-US" dirty="0"/>
+              <a:t>부호 있는</a:t>
+            </a:r>
+            <a:r>
+              <a:rPr lang="en-US" altLang="ko-KR" dirty="0"/>
+              <a:t>(`signed`) </a:t>
+            </a:r>
+            <a:r>
+              <a:rPr lang="ko-KR" altLang="en-US" dirty="0"/>
+              <a:t>또는 부호 없는</a:t>
+            </a:r>
+            <a:r>
+              <a:rPr lang="en-US" altLang="ko-KR" dirty="0"/>
+              <a:t>(`unsigned`)</a:t>
+            </a:r>
+            <a:r>
+              <a:rPr lang="ko-KR" altLang="en-US" dirty="0"/>
+              <a:t>으로 사용할 수 있습니다</a:t>
+            </a:r>
+            <a:r>
+              <a:rPr lang="en-US" altLang="ko-KR" dirty="0"/>
+              <a:t>.</a:t>
+            </a:r>
+          </a:p>
+          <a:p>
+            <a:endParaRPr lang="en-US" altLang="ko-KR" dirty="0"/>
+          </a:p>
+          <a:p>
+            <a:r>
+              <a:rPr lang="en-US" altLang="ko-KR" dirty="0"/>
+              <a:t> 2. bool</a:t>
+            </a:r>
+          </a:p>
+          <a:p>
+            <a:r>
+              <a:rPr lang="en-US" altLang="ko-KR" dirty="0"/>
+              <a:t>- **</a:t>
+            </a:r>
+            <a:r>
+              <a:rPr lang="ko-KR" altLang="en-US" dirty="0"/>
+              <a:t>용량**</a:t>
+            </a:r>
+            <a:r>
+              <a:rPr lang="en-US" altLang="ko-KR" dirty="0"/>
+              <a:t>: </a:t>
+            </a:r>
+            <a:r>
+              <a:rPr lang="ko-KR" altLang="en-US" dirty="0"/>
+              <a:t>일반적으로 </a:t>
+            </a:r>
+            <a:r>
+              <a:rPr lang="en-US" altLang="ko-KR" dirty="0"/>
+              <a:t>1</a:t>
+            </a:r>
+            <a:r>
+              <a:rPr lang="ko-KR" altLang="en-US" dirty="0"/>
+              <a:t>바이트</a:t>
+            </a:r>
+            <a:r>
+              <a:rPr lang="en-US" altLang="ko-KR" dirty="0"/>
+              <a:t>, </a:t>
+            </a:r>
+            <a:r>
+              <a:rPr lang="ko-KR" altLang="en-US" dirty="0"/>
+              <a:t>언어에 따라 다를 수 있음</a:t>
+            </a:r>
+          </a:p>
+          <a:p>
+            <a:r>
+              <a:rPr lang="en-US" altLang="ko-KR" dirty="0"/>
+              <a:t>- **</a:t>
+            </a:r>
+            <a:r>
+              <a:rPr lang="ko-KR" altLang="en-US" dirty="0"/>
+              <a:t>설명**</a:t>
+            </a:r>
+            <a:r>
+              <a:rPr lang="en-US" altLang="ko-KR" dirty="0"/>
+              <a:t>: </a:t>
+            </a:r>
+            <a:r>
+              <a:rPr lang="ko-KR" altLang="en-US" dirty="0"/>
+              <a:t>논리적 참</a:t>
+            </a:r>
+            <a:r>
+              <a:rPr lang="en-US" altLang="ko-KR" dirty="0"/>
+              <a:t>(`true`) </a:t>
+            </a:r>
+            <a:r>
+              <a:rPr lang="ko-KR" altLang="en-US" dirty="0"/>
+              <a:t>또는 거짓</a:t>
+            </a:r>
+            <a:r>
+              <a:rPr lang="en-US" altLang="ko-KR" dirty="0"/>
+              <a:t>(`false`)</a:t>
+            </a:r>
+            <a:r>
+              <a:rPr lang="ko-KR" altLang="en-US" dirty="0"/>
+              <a:t>만을 저장하는 데 사용됩니다</a:t>
+            </a:r>
+            <a:r>
+              <a:rPr lang="en-US" altLang="ko-KR" dirty="0"/>
+              <a:t>.</a:t>
+            </a:r>
+          </a:p>
+          <a:p>
+            <a:endParaRPr lang="en-US" altLang="ko-KR" dirty="0"/>
+          </a:p>
+          <a:p>
+            <a:r>
+              <a:rPr lang="en-US" altLang="ko-KR" dirty="0"/>
+              <a:t> 3. short</a:t>
+            </a:r>
+          </a:p>
+          <a:p>
+            <a:r>
+              <a:rPr lang="en-US" altLang="ko-KR" dirty="0"/>
+              <a:t>- **</a:t>
+            </a:r>
+            <a:r>
+              <a:rPr lang="ko-KR" altLang="en-US" dirty="0"/>
+              <a:t>용량**</a:t>
+            </a:r>
+            <a:r>
+              <a:rPr lang="en-US" altLang="ko-KR" dirty="0"/>
+              <a:t>: 2</a:t>
+            </a:r>
+            <a:r>
+              <a:rPr lang="ko-KR" altLang="en-US" dirty="0"/>
+              <a:t>바이트 </a:t>
+            </a:r>
+            <a:r>
+              <a:rPr lang="en-US" altLang="ko-KR" dirty="0"/>
+              <a:t>(16</a:t>
+            </a:r>
+            <a:r>
+              <a:rPr lang="ko-KR" altLang="en-US" dirty="0"/>
+              <a:t>비트</a:t>
+            </a:r>
+            <a:r>
+              <a:rPr lang="en-US" altLang="ko-KR" dirty="0"/>
+              <a:t>)</a:t>
+            </a:r>
+          </a:p>
+          <a:p>
+            <a:r>
+              <a:rPr lang="en-US" altLang="ko-KR" dirty="0"/>
+              <a:t>- **</a:t>
+            </a:r>
+            <a:r>
+              <a:rPr lang="ko-KR" altLang="en-US" dirty="0"/>
+              <a:t>설명**</a:t>
+            </a:r>
+            <a:r>
+              <a:rPr lang="en-US" altLang="ko-KR" dirty="0"/>
+              <a:t>: </a:t>
+            </a:r>
+            <a:r>
+              <a:rPr lang="ko-KR" altLang="en-US" dirty="0"/>
+              <a:t>작은 정수를 저장하는 데 사용되며</a:t>
+            </a:r>
+            <a:r>
+              <a:rPr lang="en-US" altLang="ko-KR" dirty="0"/>
+              <a:t>, </a:t>
+            </a:r>
+            <a:r>
+              <a:rPr lang="ko-KR" altLang="en-US" dirty="0"/>
+              <a:t>부호 있는</a:t>
+            </a:r>
+            <a:r>
+              <a:rPr lang="en-US" altLang="ko-KR" dirty="0"/>
+              <a:t>(`signed`) </a:t>
+            </a:r>
+            <a:r>
+              <a:rPr lang="ko-KR" altLang="en-US" dirty="0"/>
+              <a:t>또는 부호 없는</a:t>
+            </a:r>
+            <a:r>
+              <a:rPr lang="en-US" altLang="ko-KR" dirty="0"/>
+              <a:t>(`unsigned`)</a:t>
+            </a:r>
+            <a:r>
+              <a:rPr lang="ko-KR" altLang="en-US" dirty="0"/>
+              <a:t>으로 사용할 수 있습니다</a:t>
+            </a:r>
+            <a:r>
+              <a:rPr lang="en-US" altLang="ko-KR" dirty="0"/>
+              <a:t>.</a:t>
+            </a:r>
+          </a:p>
+          <a:p>
+            <a:endParaRPr lang="en-US" altLang="ko-KR" dirty="0"/>
+          </a:p>
+          <a:p>
+            <a:r>
+              <a:rPr lang="en-US" altLang="ko-KR" dirty="0"/>
+              <a:t> 4. int</a:t>
+            </a:r>
+          </a:p>
+          <a:p>
+            <a:r>
+              <a:rPr lang="en-US" altLang="ko-KR" dirty="0"/>
+              <a:t>- **</a:t>
+            </a:r>
+            <a:r>
+              <a:rPr lang="ko-KR" altLang="en-US" dirty="0"/>
+              <a:t>용량**</a:t>
+            </a:r>
+            <a:r>
+              <a:rPr lang="en-US" altLang="ko-KR" dirty="0"/>
+              <a:t>: 4</a:t>
+            </a:r>
+            <a:r>
+              <a:rPr lang="ko-KR" altLang="en-US" dirty="0"/>
+              <a:t>바이트 </a:t>
+            </a:r>
+            <a:r>
+              <a:rPr lang="en-US" altLang="ko-KR" dirty="0"/>
+              <a:t>(32</a:t>
+            </a:r>
+            <a:r>
+              <a:rPr lang="ko-KR" altLang="en-US" dirty="0"/>
+              <a:t>비트</a:t>
+            </a:r>
+            <a:r>
+              <a:rPr lang="en-US" altLang="ko-KR" dirty="0"/>
+              <a:t>)</a:t>
+            </a:r>
+          </a:p>
+          <a:p>
+            <a:r>
+              <a:rPr lang="en-US" altLang="ko-KR" dirty="0"/>
+              <a:t>- **</a:t>
+            </a:r>
+            <a:r>
+              <a:rPr lang="ko-KR" altLang="en-US" dirty="0"/>
+              <a:t>설명**</a:t>
+            </a:r>
+            <a:r>
+              <a:rPr lang="en-US" altLang="ko-KR" dirty="0"/>
+              <a:t>: </a:t>
+            </a:r>
+            <a:r>
+              <a:rPr lang="ko-KR" altLang="en-US" dirty="0"/>
+              <a:t>정수를 저장하는 기본 데이터 타입으로</a:t>
+            </a:r>
+            <a:r>
+              <a:rPr lang="en-US" altLang="ko-KR" dirty="0"/>
+              <a:t>, </a:t>
+            </a:r>
+            <a:r>
+              <a:rPr lang="ko-KR" altLang="en-US" dirty="0"/>
+              <a:t>대부분의 시스템에서 가장 자주 사용됩니다</a:t>
+            </a:r>
+            <a:r>
+              <a:rPr lang="en-US" altLang="ko-KR" dirty="0"/>
+              <a:t>.</a:t>
+            </a:r>
+          </a:p>
+          <a:p>
+            <a:endParaRPr lang="en-US" altLang="ko-KR" dirty="0"/>
+          </a:p>
+          <a:p>
+            <a:endParaRPr lang="ko-KR" altLang="en-US" dirty="0"/>
+          </a:p>
+        </p:txBody>
+      </p:sp>
+      <p:sp>
+        <p:nvSpPr>
+          <p:cNvPr id="9" name="TextBox 8">
+            <a:extLst>
+              <a:ext uri="{FF2B5EF4-FFF2-40B4-BE49-F238E27FC236}">
+                <a16:creationId xmlns:a16="http://schemas.microsoft.com/office/drawing/2014/main" id="{D232B66C-422B-24DE-0581-6AA4D6500BFD}"/>
+              </a:ext>
+            </a:extLst>
+          </p:cNvPr>
+          <p:cNvSpPr txBox="1"/>
+          <p:nvPr/>
+        </p:nvSpPr>
+        <p:spPr>
+          <a:xfrm>
+            <a:off x="923454" y="307818"/>
+            <a:ext cx="5106154" cy="369332"/>
+          </a:xfrm>
+          <a:prstGeom prst="rect">
+            <a:avLst/>
+          </a:prstGeom>
+          <a:noFill/>
+        </p:spPr>
+        <p:txBody>
+          <a:bodyPr wrap="square" rtlCol="0">
+            <a:spAutoFit/>
+          </a:bodyPr>
+          <a:lstStyle/>
+          <a:p>
+            <a:r>
+              <a:rPr lang="ko-KR" altLang="en-US" dirty="0"/>
+              <a:t>변수 </a:t>
+            </a:r>
+          </a:p>
+        </p:txBody>
+      </p:sp>
+    </p:spTree>
+    <p:extLst>
+      <p:ext uri="{BB962C8B-B14F-4D97-AF65-F5344CB8AC3E}">
+        <p14:creationId xmlns:p14="http://schemas.microsoft.com/office/powerpoint/2010/main" val="3480820627"/>
+      </p:ext>
+    </p:extLst>
+  </p:cSld>
+  <p:clrMapOvr>
+    <a:masterClrMapping/>
+  </p:clrMapOvr>
+</p:sld>
+</file>
+
+<file path=ppt/slides/slide11.xml><?xml version="1.0" encoding="utf-8"?>
+<p:sld xmlns:a="http://schemas.openxmlformats.org/drawingml/2006/main" xmlns:r="http://schemas.openxmlformats.org/officeDocument/2006/relationships" xmlns:p="http://schemas.openxmlformats.org/presentationml/2006/main">
+  <p:cSld>
+    <p:spTree>
+      <p:nvGrpSpPr>
+        <p:cNvPr id="1" name=""/>
+        <p:cNvGrpSpPr/>
+        <p:nvPr/>
+      </p:nvGrpSpPr>
+      <p:grpSpPr>
+        <a:xfrm>
+          <a:off x="0" y="0"/>
+          <a:ext cx="0" cy="0"/>
+          <a:chOff x="0" y="0"/>
+          <a:chExt cx="0" cy="0"/>
+        </a:xfrm>
+      </p:grpSpPr>
+      <p:sp>
+        <p:nvSpPr>
+          <p:cNvPr id="4" name="TextBox 3">
+            <a:extLst>
+              <a:ext uri="{FF2B5EF4-FFF2-40B4-BE49-F238E27FC236}">
+                <a16:creationId xmlns:a16="http://schemas.microsoft.com/office/drawing/2014/main" id="{BC112CC4-3C1A-E658-9DDD-1E2540281A31}"/>
+              </a:ext>
+            </a:extLst>
+          </p:cNvPr>
+          <p:cNvSpPr txBox="1"/>
+          <p:nvPr/>
+        </p:nvSpPr>
+        <p:spPr>
+          <a:xfrm>
+            <a:off x="289711" y="479834"/>
+            <a:ext cx="11144816" cy="6186309"/>
+          </a:xfrm>
+          <a:prstGeom prst="rect">
+            <a:avLst/>
+          </a:prstGeom>
+          <a:noFill/>
+        </p:spPr>
+        <p:txBody>
+          <a:bodyPr wrap="square" rtlCol="0">
+            <a:spAutoFit/>
+          </a:bodyPr>
+          <a:lstStyle/>
+          <a:p>
+            <a:r>
+              <a:rPr lang="en-US" altLang="ko-KR" dirty="0"/>
+              <a:t> 5. float</a:t>
+            </a:r>
+          </a:p>
+          <a:p>
+            <a:r>
+              <a:rPr lang="en-US" altLang="ko-KR" dirty="0"/>
+              <a:t>- **</a:t>
+            </a:r>
+            <a:r>
+              <a:rPr lang="ko-KR" altLang="en-US" dirty="0"/>
+              <a:t>용량**</a:t>
+            </a:r>
+            <a:r>
+              <a:rPr lang="en-US" altLang="ko-KR" dirty="0"/>
+              <a:t>: 4</a:t>
+            </a:r>
+            <a:r>
+              <a:rPr lang="ko-KR" altLang="en-US" dirty="0"/>
+              <a:t>바이트 </a:t>
+            </a:r>
+            <a:r>
+              <a:rPr lang="en-US" altLang="ko-KR" dirty="0"/>
+              <a:t>(32</a:t>
+            </a:r>
+            <a:r>
+              <a:rPr lang="ko-KR" altLang="en-US" dirty="0"/>
+              <a:t>비트</a:t>
+            </a:r>
+            <a:r>
+              <a:rPr lang="en-US" altLang="ko-KR" dirty="0"/>
+              <a:t>)</a:t>
+            </a:r>
+          </a:p>
+          <a:p>
+            <a:r>
+              <a:rPr lang="en-US" altLang="ko-KR" dirty="0"/>
+              <a:t>- **</a:t>
+            </a:r>
+            <a:r>
+              <a:rPr lang="ko-KR" altLang="en-US" dirty="0"/>
+              <a:t>설명**</a:t>
+            </a:r>
+            <a:r>
+              <a:rPr lang="en-US" altLang="ko-KR" dirty="0"/>
+              <a:t>: </a:t>
+            </a:r>
+            <a:r>
+              <a:rPr lang="ko-KR" altLang="en-US" dirty="0"/>
+              <a:t>싱글 </a:t>
+            </a:r>
+            <a:r>
+              <a:rPr lang="ko-KR" altLang="en-US" dirty="0" err="1"/>
+              <a:t>프리시전</a:t>
+            </a:r>
+            <a:r>
+              <a:rPr lang="en-US" altLang="ko-KR" dirty="0"/>
+              <a:t>(single-precision) </a:t>
+            </a:r>
+            <a:r>
+              <a:rPr lang="ko-KR" altLang="en-US" dirty="0"/>
+              <a:t>부동 소수점 수를 저장합니다</a:t>
+            </a:r>
+            <a:r>
+              <a:rPr lang="en-US" altLang="ko-KR" dirty="0"/>
+              <a:t>. </a:t>
+            </a:r>
+            <a:r>
+              <a:rPr lang="ko-KR" altLang="en-US" dirty="0"/>
+              <a:t>이는 소수점 이하의 값과 과학적 표기법에 사용되는 지수를 포함합니다</a:t>
+            </a:r>
+            <a:r>
+              <a:rPr lang="en-US" altLang="ko-KR" dirty="0"/>
+              <a:t>.</a:t>
+            </a:r>
+          </a:p>
+          <a:p>
+            <a:endParaRPr lang="en-US" altLang="ko-KR" dirty="0"/>
+          </a:p>
+          <a:p>
+            <a:r>
+              <a:rPr lang="en-US" altLang="ko-KR" dirty="0"/>
+              <a:t> 6. long</a:t>
+            </a:r>
+          </a:p>
+          <a:p>
+            <a:r>
+              <a:rPr lang="en-US" altLang="ko-KR" dirty="0"/>
+              <a:t>- **</a:t>
+            </a:r>
+            <a:r>
+              <a:rPr lang="ko-KR" altLang="en-US" dirty="0"/>
+              <a:t>용량**</a:t>
+            </a:r>
+            <a:r>
+              <a:rPr lang="en-US" altLang="ko-KR" dirty="0"/>
+              <a:t>: </a:t>
+            </a:r>
+            <a:r>
+              <a:rPr lang="ko-KR" altLang="en-US" dirty="0"/>
+              <a:t>대부분의 시스템에서 </a:t>
+            </a:r>
+            <a:r>
+              <a:rPr lang="en-US" altLang="ko-KR" dirty="0"/>
+              <a:t>8</a:t>
+            </a:r>
+            <a:r>
+              <a:rPr lang="ko-KR" altLang="en-US" dirty="0"/>
+              <a:t>바이트 </a:t>
+            </a:r>
+            <a:r>
+              <a:rPr lang="en-US" altLang="ko-KR" dirty="0"/>
+              <a:t>(64</a:t>
+            </a:r>
+            <a:r>
+              <a:rPr lang="ko-KR" altLang="en-US" dirty="0"/>
+              <a:t>비트</a:t>
+            </a:r>
+            <a:r>
+              <a:rPr lang="en-US" altLang="ko-KR" dirty="0"/>
+              <a:t>)</a:t>
+            </a:r>
+          </a:p>
+          <a:p>
+            <a:r>
+              <a:rPr lang="en-US" altLang="ko-KR" dirty="0"/>
+              <a:t>- **</a:t>
+            </a:r>
+            <a:r>
+              <a:rPr lang="ko-KR" altLang="en-US" dirty="0"/>
+              <a:t>설명**</a:t>
+            </a:r>
+            <a:r>
+              <a:rPr lang="en-US" altLang="ko-KR" dirty="0"/>
+              <a:t>: </a:t>
+            </a:r>
+            <a:r>
+              <a:rPr lang="ko-KR" altLang="en-US" dirty="0"/>
+              <a:t>더 큰 정수를 저장하는 데 사용됩니다</a:t>
+            </a:r>
+            <a:r>
+              <a:rPr lang="en-US" altLang="ko-KR" dirty="0"/>
+              <a:t>.</a:t>
+            </a:r>
+          </a:p>
+          <a:p>
+            <a:endParaRPr lang="en-US" altLang="ko-KR" dirty="0"/>
+          </a:p>
+          <a:p>
+            <a:r>
+              <a:rPr lang="en-US" altLang="ko-KR" dirty="0"/>
+              <a:t> 7. double</a:t>
+            </a:r>
+          </a:p>
+          <a:p>
+            <a:r>
+              <a:rPr lang="en-US" altLang="ko-KR" dirty="0"/>
+              <a:t>- **</a:t>
+            </a:r>
+            <a:r>
+              <a:rPr lang="ko-KR" altLang="en-US" dirty="0"/>
+              <a:t>용량**</a:t>
+            </a:r>
+            <a:r>
+              <a:rPr lang="en-US" altLang="ko-KR" dirty="0"/>
+              <a:t>: 8</a:t>
+            </a:r>
+            <a:r>
+              <a:rPr lang="ko-KR" altLang="en-US" dirty="0"/>
+              <a:t>바이트 </a:t>
+            </a:r>
+            <a:r>
+              <a:rPr lang="en-US" altLang="ko-KR" dirty="0"/>
+              <a:t>(64</a:t>
+            </a:r>
+            <a:r>
+              <a:rPr lang="ko-KR" altLang="en-US" dirty="0"/>
+              <a:t>비트</a:t>
+            </a:r>
+            <a:r>
+              <a:rPr lang="en-US" altLang="ko-KR" dirty="0"/>
+              <a:t>)</a:t>
+            </a:r>
+          </a:p>
+          <a:p>
+            <a:r>
+              <a:rPr lang="en-US" altLang="ko-KR" dirty="0"/>
+              <a:t>- **</a:t>
+            </a:r>
+            <a:r>
+              <a:rPr lang="ko-KR" altLang="en-US" dirty="0"/>
+              <a:t>설명**</a:t>
+            </a:r>
+            <a:r>
+              <a:rPr lang="en-US" altLang="ko-KR" dirty="0"/>
+              <a:t>: </a:t>
+            </a:r>
+            <a:r>
+              <a:rPr lang="ko-KR" altLang="en-US" dirty="0"/>
+              <a:t>더블 </a:t>
+            </a:r>
+            <a:r>
+              <a:rPr lang="ko-KR" altLang="en-US" dirty="0" err="1"/>
+              <a:t>프리시전</a:t>
+            </a:r>
+            <a:r>
+              <a:rPr lang="en-US" altLang="ko-KR" dirty="0"/>
+              <a:t>(double-precision) </a:t>
+            </a:r>
+            <a:r>
+              <a:rPr lang="ko-KR" altLang="en-US" dirty="0"/>
+              <a:t>부동 소수점 수를 저장합니다</a:t>
+            </a:r>
+            <a:r>
+              <a:rPr lang="en-US" altLang="ko-KR" dirty="0"/>
+              <a:t>. `float`</a:t>
+            </a:r>
+            <a:r>
+              <a:rPr lang="ko-KR" altLang="en-US" dirty="0"/>
+              <a:t>보다 더 큰 범위와 정밀도를 제공합니다</a:t>
+            </a:r>
+            <a:r>
+              <a:rPr lang="en-US" altLang="ko-KR" dirty="0"/>
+              <a:t>.</a:t>
+            </a:r>
+          </a:p>
+          <a:p>
+            <a:endParaRPr lang="en-US" altLang="ko-KR" dirty="0"/>
+          </a:p>
+          <a:p>
+            <a:r>
+              <a:rPr lang="en-US" altLang="ko-KR" dirty="0"/>
+              <a:t> 8. long </a:t>
+            </a:r>
+            <a:r>
+              <a:rPr lang="en-US" altLang="ko-KR" dirty="0" err="1"/>
+              <a:t>long</a:t>
+            </a:r>
+            <a:endParaRPr lang="en-US" altLang="ko-KR" dirty="0"/>
+          </a:p>
+          <a:p>
+            <a:r>
+              <a:rPr lang="en-US" altLang="ko-KR" dirty="0"/>
+              <a:t>- **</a:t>
+            </a:r>
+            <a:r>
+              <a:rPr lang="ko-KR" altLang="en-US" dirty="0"/>
+              <a:t>용량**</a:t>
+            </a:r>
+            <a:r>
+              <a:rPr lang="en-US" altLang="ko-KR" dirty="0"/>
+              <a:t>: 8</a:t>
+            </a:r>
+            <a:r>
+              <a:rPr lang="ko-KR" altLang="en-US" dirty="0"/>
+              <a:t>바이트 </a:t>
+            </a:r>
+            <a:r>
+              <a:rPr lang="en-US" altLang="ko-KR" dirty="0"/>
+              <a:t>(64</a:t>
+            </a:r>
+            <a:r>
+              <a:rPr lang="ko-KR" altLang="en-US" dirty="0"/>
+              <a:t>비트</a:t>
+            </a:r>
+            <a:r>
+              <a:rPr lang="en-US" altLang="ko-KR" dirty="0"/>
+              <a:t>)</a:t>
+            </a:r>
+          </a:p>
+          <a:p>
+            <a:r>
+              <a:rPr lang="en-US" altLang="ko-KR" dirty="0"/>
+              <a:t>- **</a:t>
+            </a:r>
+            <a:r>
+              <a:rPr lang="ko-KR" altLang="en-US" dirty="0"/>
+              <a:t>설명**</a:t>
+            </a:r>
+            <a:r>
+              <a:rPr lang="en-US" altLang="ko-KR" dirty="0"/>
+              <a:t>: </a:t>
+            </a:r>
+            <a:r>
+              <a:rPr lang="ko-KR" altLang="en-US" dirty="0"/>
+              <a:t>매우 큰 정수를 저장하는 데 사용되며</a:t>
+            </a:r>
+            <a:r>
+              <a:rPr lang="en-US" altLang="ko-KR" dirty="0"/>
+              <a:t>, </a:t>
+            </a:r>
+            <a:r>
+              <a:rPr lang="ko-KR" altLang="en-US" dirty="0"/>
+              <a:t>주로 </a:t>
+            </a:r>
+            <a:r>
+              <a:rPr lang="en-US" altLang="ko-KR" dirty="0"/>
+              <a:t>64</a:t>
+            </a:r>
+            <a:r>
+              <a:rPr lang="ko-KR" altLang="en-US" dirty="0"/>
+              <a:t>비트 컴파일러에서 지원됩니다</a:t>
+            </a:r>
+            <a:r>
+              <a:rPr lang="en-US" altLang="ko-KR" dirty="0"/>
+              <a:t>.</a:t>
+            </a:r>
+          </a:p>
+          <a:p>
+            <a:endParaRPr lang="en-US" altLang="ko-KR" dirty="0"/>
+          </a:p>
+          <a:p>
+            <a:r>
+              <a:rPr lang="en-US" altLang="ko-KR" dirty="0"/>
+              <a:t> 9. long double</a:t>
+            </a:r>
+          </a:p>
+          <a:p>
+            <a:r>
+              <a:rPr lang="en-US" altLang="ko-KR" dirty="0"/>
+              <a:t>- **</a:t>
+            </a:r>
+            <a:r>
+              <a:rPr lang="ko-KR" altLang="en-US" dirty="0"/>
+              <a:t>용량**</a:t>
+            </a:r>
+            <a:r>
+              <a:rPr lang="en-US" altLang="ko-KR" dirty="0"/>
+              <a:t>: </a:t>
+            </a:r>
+            <a:r>
+              <a:rPr lang="ko-KR" altLang="en-US" dirty="0"/>
+              <a:t>플랫폼에 따라 </a:t>
+            </a:r>
+            <a:r>
+              <a:rPr lang="en-US" altLang="ko-KR" dirty="0"/>
+              <a:t>8</a:t>
+            </a:r>
+            <a:r>
+              <a:rPr lang="ko-KR" altLang="en-US" dirty="0"/>
+              <a:t>바이트에서 </a:t>
+            </a:r>
+            <a:r>
+              <a:rPr lang="en-US" altLang="ko-KR" dirty="0"/>
+              <a:t>16</a:t>
+            </a:r>
+            <a:r>
+              <a:rPr lang="ko-KR" altLang="en-US" dirty="0"/>
+              <a:t>바이트까지 다양</a:t>
+            </a:r>
+          </a:p>
+          <a:p>
+            <a:r>
+              <a:rPr lang="en-US" altLang="ko-KR" dirty="0"/>
+              <a:t>- **</a:t>
+            </a:r>
+            <a:r>
+              <a:rPr lang="ko-KR" altLang="en-US" dirty="0"/>
+              <a:t>설명**</a:t>
+            </a:r>
+            <a:r>
+              <a:rPr lang="en-US" altLang="ko-KR" dirty="0"/>
+              <a:t>: `double`</a:t>
+            </a:r>
+            <a:r>
+              <a:rPr lang="ko-KR" altLang="en-US" dirty="0"/>
+              <a:t>보다 더 큰 범위와 정밀도를 필요로 하는 부동 소수점 수를 저장합니다</a:t>
+            </a:r>
+            <a:r>
+              <a:rPr lang="en-US" altLang="ko-KR" dirty="0"/>
+              <a:t>.</a:t>
+            </a:r>
+          </a:p>
+          <a:p>
+            <a:endParaRPr lang="en-US" altLang="ko-KR" dirty="0"/>
+          </a:p>
+        </p:txBody>
+      </p:sp>
+    </p:spTree>
+    <p:extLst>
+      <p:ext uri="{BB962C8B-B14F-4D97-AF65-F5344CB8AC3E}">
+        <p14:creationId xmlns:p14="http://schemas.microsoft.com/office/powerpoint/2010/main" val="1001984995"/>
       </p:ext>
     </p:extLst>
   </p:cSld>

--- a/Week_1.pptx
+++ b/Week_1.pptx
@@ -269,7 +269,7 @@
           <a:p>
             <a:fld id="{459B6B1B-908D-4BFD-AE3C-9545F0632E54}" type="datetimeFigureOut">
               <a:rPr lang="ko-KR" altLang="en-US" smtClean="0"/>
-              <a:t>2024-05-08</a:t>
+              <a:t>2024-05-29</a:t>
             </a:fld>
             <a:endParaRPr lang="ko-KR" altLang="en-US"/>
           </a:p>
@@ -467,7 +467,7 @@
           <a:p>
             <a:fld id="{459B6B1B-908D-4BFD-AE3C-9545F0632E54}" type="datetimeFigureOut">
               <a:rPr lang="ko-KR" altLang="en-US" smtClean="0"/>
-              <a:t>2024-05-08</a:t>
+              <a:t>2024-05-29</a:t>
             </a:fld>
             <a:endParaRPr lang="ko-KR" altLang="en-US"/>
           </a:p>
@@ -675,7 +675,7 @@
           <a:p>
             <a:fld id="{459B6B1B-908D-4BFD-AE3C-9545F0632E54}" type="datetimeFigureOut">
               <a:rPr lang="ko-KR" altLang="en-US" smtClean="0"/>
-              <a:t>2024-05-08</a:t>
+              <a:t>2024-05-29</a:t>
             </a:fld>
             <a:endParaRPr lang="ko-KR" altLang="en-US"/>
           </a:p>
@@ -873,7 +873,7 @@
           <a:p>
             <a:fld id="{459B6B1B-908D-4BFD-AE3C-9545F0632E54}" type="datetimeFigureOut">
               <a:rPr lang="ko-KR" altLang="en-US" smtClean="0"/>
-              <a:t>2024-05-08</a:t>
+              <a:t>2024-05-29</a:t>
             </a:fld>
             <a:endParaRPr lang="ko-KR" altLang="en-US"/>
           </a:p>
@@ -1148,7 +1148,7 @@
           <a:p>
             <a:fld id="{459B6B1B-908D-4BFD-AE3C-9545F0632E54}" type="datetimeFigureOut">
               <a:rPr lang="ko-KR" altLang="en-US" smtClean="0"/>
-              <a:t>2024-05-08</a:t>
+              <a:t>2024-05-29</a:t>
             </a:fld>
             <a:endParaRPr lang="ko-KR" altLang="en-US"/>
           </a:p>
@@ -1413,7 +1413,7 @@
           <a:p>
             <a:fld id="{459B6B1B-908D-4BFD-AE3C-9545F0632E54}" type="datetimeFigureOut">
               <a:rPr lang="ko-KR" altLang="en-US" smtClean="0"/>
-              <a:t>2024-05-08</a:t>
+              <a:t>2024-05-29</a:t>
             </a:fld>
             <a:endParaRPr lang="ko-KR" altLang="en-US"/>
           </a:p>
@@ -1825,7 +1825,7 @@
           <a:p>
             <a:fld id="{459B6B1B-908D-4BFD-AE3C-9545F0632E54}" type="datetimeFigureOut">
               <a:rPr lang="ko-KR" altLang="en-US" smtClean="0"/>
-              <a:t>2024-05-08</a:t>
+              <a:t>2024-05-29</a:t>
             </a:fld>
             <a:endParaRPr lang="ko-KR" altLang="en-US"/>
           </a:p>
@@ -1966,7 +1966,7 @@
           <a:p>
             <a:fld id="{459B6B1B-908D-4BFD-AE3C-9545F0632E54}" type="datetimeFigureOut">
               <a:rPr lang="ko-KR" altLang="en-US" smtClean="0"/>
-              <a:t>2024-05-08</a:t>
+              <a:t>2024-05-29</a:t>
             </a:fld>
             <a:endParaRPr lang="ko-KR" altLang="en-US"/>
           </a:p>
@@ -2079,7 +2079,7 @@
           <a:p>
             <a:fld id="{459B6B1B-908D-4BFD-AE3C-9545F0632E54}" type="datetimeFigureOut">
               <a:rPr lang="ko-KR" altLang="en-US" smtClean="0"/>
-              <a:t>2024-05-08</a:t>
+              <a:t>2024-05-29</a:t>
             </a:fld>
             <a:endParaRPr lang="ko-KR" altLang="en-US"/>
           </a:p>
@@ -2390,7 +2390,7 @@
           <a:p>
             <a:fld id="{459B6B1B-908D-4BFD-AE3C-9545F0632E54}" type="datetimeFigureOut">
               <a:rPr lang="ko-KR" altLang="en-US" smtClean="0"/>
-              <a:t>2024-05-08</a:t>
+              <a:t>2024-05-29</a:t>
             </a:fld>
             <a:endParaRPr lang="ko-KR" altLang="en-US"/>
           </a:p>
@@ -2678,7 +2678,7 @@
           <a:p>
             <a:fld id="{459B6B1B-908D-4BFD-AE3C-9545F0632E54}" type="datetimeFigureOut">
               <a:rPr lang="ko-KR" altLang="en-US" smtClean="0"/>
-              <a:t>2024-05-08</a:t>
+              <a:t>2024-05-29</a:t>
             </a:fld>
             <a:endParaRPr lang="ko-KR" altLang="en-US"/>
           </a:p>
@@ -2919,7 +2919,7 @@
           <a:p>
             <a:fld id="{459B6B1B-908D-4BFD-AE3C-9545F0632E54}" type="datetimeFigureOut">
               <a:rPr lang="ko-KR" altLang="en-US" smtClean="0"/>
-              <a:t>2024-05-08</a:t>
+              <a:t>2024-05-29</a:t>
             </a:fld>
             <a:endParaRPr lang="ko-KR" altLang="en-US"/>
           </a:p>
@@ -3405,10 +3405,10 @@
       </p:grpSpPr>
       <p:sp>
         <p:nvSpPr>
-          <p:cNvPr id="6" name="TextBox 5">
-            <a:extLst>
-              <a:ext uri="{FF2B5EF4-FFF2-40B4-BE49-F238E27FC236}">
-                <a16:creationId xmlns:a16="http://schemas.microsoft.com/office/drawing/2014/main" id="{3593E46C-CF9C-CD60-545A-0F7BBEBD8022}"/>
+          <p:cNvPr id="3" name="TextBox 2">
+            <a:extLst>
+              <a:ext uri="{FF2B5EF4-FFF2-40B4-BE49-F238E27FC236}">
+                <a16:creationId xmlns:a16="http://schemas.microsoft.com/office/drawing/2014/main" id="{75BAD17F-A8C2-3212-EEEA-1502CC0CC488}"/>
               </a:ext>
             </a:extLst>
           </p:cNvPr>
@@ -3417,8 +3417,8 @@
         </p:nvSpPr>
         <p:spPr>
           <a:xfrm>
-            <a:off x="923454" y="1131684"/>
-            <a:ext cx="9433711" cy="5632311"/>
+            <a:off x="977774" y="615636"/>
+            <a:ext cx="9650994" cy="5632311"/>
           </a:xfrm>
           <a:prstGeom prst="rect">
             <a:avLst/>
@@ -3432,369 +3432,95 @@
           <a:lstStyle/>
           <a:p>
             <a:r>
-              <a:rPr lang="en-US" altLang="ko-KR" dirty="0"/>
-              <a:t> 1. char</a:t>
-            </a:r>
-          </a:p>
-          <a:p>
-            <a:r>
-              <a:rPr lang="en-US" altLang="ko-KR" dirty="0"/>
-              <a:t>- **</a:t>
-            </a:r>
-            <a:r>
-              <a:rPr lang="ko-KR" altLang="en-US" dirty="0"/>
-              <a:t>용량**</a:t>
-            </a:r>
-            <a:r>
-              <a:rPr lang="en-US" altLang="ko-KR" dirty="0"/>
-              <a:t>: 1</a:t>
-            </a:r>
-            <a:r>
-              <a:rPr lang="ko-KR" altLang="en-US" dirty="0"/>
-              <a:t>바이트 </a:t>
-            </a:r>
-            <a:r>
-              <a:rPr lang="en-US" altLang="ko-KR" dirty="0"/>
-              <a:t>(8</a:t>
-            </a:r>
-            <a:r>
-              <a:rPr lang="ko-KR" altLang="en-US" dirty="0"/>
-              <a:t>비트</a:t>
-            </a:r>
-            <a:r>
-              <a:rPr lang="en-US" altLang="ko-KR" dirty="0"/>
-              <a:t>)</a:t>
-            </a:r>
-          </a:p>
-          <a:p>
-            <a:r>
-              <a:rPr lang="en-US" altLang="ko-KR" dirty="0"/>
-              <a:t>- **</a:t>
-            </a:r>
-            <a:r>
-              <a:rPr lang="ko-KR" altLang="en-US" dirty="0"/>
-              <a:t>설명**</a:t>
-            </a:r>
-            <a:r>
-              <a:rPr lang="en-US" altLang="ko-KR" dirty="0"/>
-              <a:t>: </a:t>
-            </a:r>
-            <a:r>
-              <a:rPr lang="ko-KR" altLang="en-US" dirty="0"/>
-              <a:t>단일 문자를 저장하는 데 사용되며</a:t>
-            </a:r>
-            <a:r>
-              <a:rPr lang="en-US" altLang="ko-KR" dirty="0"/>
-              <a:t>, ASCII </a:t>
-            </a:r>
-            <a:r>
-              <a:rPr lang="ko-KR" altLang="en-US" dirty="0"/>
-              <a:t>코드나 다른 문자 코드를 저장할 수 있습니다</a:t>
-            </a:r>
-            <a:r>
-              <a:rPr lang="en-US" altLang="ko-KR" dirty="0"/>
-              <a:t>. </a:t>
-            </a:r>
-            <a:r>
-              <a:rPr lang="ko-KR" altLang="en-US" dirty="0"/>
-              <a:t>부호 있는</a:t>
-            </a:r>
-            <a:r>
-              <a:rPr lang="en-US" altLang="ko-KR" dirty="0"/>
-              <a:t>(`signed`) </a:t>
-            </a:r>
-            <a:r>
-              <a:rPr lang="ko-KR" altLang="en-US" dirty="0"/>
-              <a:t>또는 부호 없는</a:t>
-            </a:r>
-            <a:r>
-              <a:rPr lang="en-US" altLang="ko-KR" dirty="0"/>
-              <a:t>(`unsigned`)</a:t>
-            </a:r>
-            <a:r>
-              <a:rPr lang="ko-KR" altLang="en-US" dirty="0"/>
-              <a:t>으로 사용할 수 있습니다</a:t>
-            </a:r>
-            <a:r>
-              <a:rPr lang="en-US" altLang="ko-KR" dirty="0"/>
-              <a:t>.</a:t>
-            </a:r>
+              <a:rPr lang="en-US" altLang="ko-KR" sz="3600" dirty="0"/>
+              <a:t>IDE – </a:t>
+            </a:r>
+            <a:r>
+              <a:rPr lang="ko-KR" altLang="en-US" sz="3600" dirty="0"/>
+              <a:t>통합 개발 환경</a:t>
+            </a:r>
+            <a:endParaRPr lang="en-US" altLang="ko-KR" sz="3600" dirty="0"/>
+          </a:p>
+          <a:p>
+            <a:r>
+              <a:rPr lang="ko-KR" altLang="en-US" sz="3600" dirty="0"/>
+              <a:t> </a:t>
+            </a:r>
+            <a:r>
+              <a:rPr lang="en-US" altLang="ko-KR" sz="3600" dirty="0"/>
+              <a:t>(Integrated Development Environment, IDE)</a:t>
+            </a:r>
+          </a:p>
+          <a:p>
+            <a:endParaRPr lang="en-US" altLang="ko-KR" sz="3600" dirty="0"/>
+          </a:p>
+          <a:p>
+            <a:r>
+              <a:rPr lang="ko-KR" altLang="en-US" sz="3600" dirty="0"/>
+              <a:t>예</a:t>
+            </a:r>
+            <a:r>
+              <a:rPr lang="en-US" altLang="ko-KR" sz="3600" dirty="0"/>
+              <a:t>) </a:t>
+            </a:r>
+            <a:r>
+              <a:rPr lang="ko-KR" altLang="en-US" sz="3600" dirty="0"/>
+              <a:t>비주얼 스튜디오 </a:t>
+            </a:r>
+            <a:r>
+              <a:rPr lang="en-US" altLang="ko-KR" sz="3600" dirty="0"/>
+              <a:t>, </a:t>
+            </a:r>
+            <a:r>
+              <a:rPr lang="ko-KR" altLang="en-US" sz="3600" dirty="0" err="1"/>
+              <a:t>비쥬얼</a:t>
+            </a:r>
+            <a:r>
+              <a:rPr lang="ko-KR" altLang="en-US" sz="3600" dirty="0"/>
+              <a:t> 코드 </a:t>
+            </a:r>
+            <a:endParaRPr lang="en-US" altLang="ko-KR" sz="3600" dirty="0"/>
+          </a:p>
+          <a:p>
+            <a:r>
+              <a:rPr lang="en-US" altLang="ko-KR" sz="3600" dirty="0"/>
+              <a:t>    , </a:t>
+            </a:r>
+            <a:r>
+              <a:rPr lang="ko-KR" altLang="en-US" sz="3600" dirty="0"/>
+              <a:t>안드로이드 스튜디오 </a:t>
+            </a:r>
+            <a:endParaRPr lang="en-US" altLang="ko-KR" sz="3600" dirty="0"/>
           </a:p>
           <a:p>
             <a:endParaRPr lang="en-US" altLang="ko-KR" dirty="0"/>
           </a:p>
           <a:p>
-            <a:r>
-              <a:rPr lang="en-US" altLang="ko-KR" dirty="0"/>
-              <a:t> 2. bool</a:t>
-            </a:r>
-          </a:p>
-          <a:p>
-            <a:r>
-              <a:rPr lang="en-US" altLang="ko-KR" dirty="0"/>
-              <a:t>- **</a:t>
-            </a:r>
-            <a:r>
-              <a:rPr lang="ko-KR" altLang="en-US" dirty="0"/>
-              <a:t>용량**</a:t>
-            </a:r>
-            <a:r>
-              <a:rPr lang="en-US" altLang="ko-KR" dirty="0"/>
-              <a:t>: </a:t>
-            </a:r>
-            <a:r>
-              <a:rPr lang="ko-KR" altLang="en-US" dirty="0"/>
-              <a:t>일반적으로 </a:t>
-            </a:r>
-            <a:r>
-              <a:rPr lang="en-US" altLang="ko-KR" dirty="0"/>
-              <a:t>1</a:t>
-            </a:r>
-            <a:r>
-              <a:rPr lang="ko-KR" altLang="en-US" dirty="0"/>
-              <a:t>바이트</a:t>
-            </a:r>
-            <a:r>
-              <a:rPr lang="en-US" altLang="ko-KR" dirty="0"/>
-              <a:t>, </a:t>
-            </a:r>
-            <a:r>
-              <a:rPr lang="ko-KR" altLang="en-US" dirty="0"/>
-              <a:t>언어에 따라 다를 수 있음</a:t>
-            </a:r>
-          </a:p>
-          <a:p>
-            <a:r>
-              <a:rPr lang="en-US" altLang="ko-KR" dirty="0"/>
-              <a:t>- **</a:t>
-            </a:r>
-            <a:r>
-              <a:rPr lang="ko-KR" altLang="en-US" dirty="0"/>
-              <a:t>설명**</a:t>
-            </a:r>
-            <a:r>
-              <a:rPr lang="en-US" altLang="ko-KR" dirty="0"/>
-              <a:t>: </a:t>
-            </a:r>
-            <a:r>
-              <a:rPr lang="ko-KR" altLang="en-US" dirty="0"/>
-              <a:t>논리적 참</a:t>
-            </a:r>
-            <a:r>
-              <a:rPr lang="en-US" altLang="ko-KR" dirty="0"/>
-              <a:t>(`true`) </a:t>
-            </a:r>
-            <a:r>
-              <a:rPr lang="ko-KR" altLang="en-US" dirty="0"/>
-              <a:t>또는 거짓</a:t>
-            </a:r>
-            <a:r>
-              <a:rPr lang="en-US" altLang="ko-KR" dirty="0"/>
-              <a:t>(`false`)</a:t>
-            </a:r>
-            <a:r>
-              <a:rPr lang="ko-KR" altLang="en-US" dirty="0"/>
-              <a:t>만을 저장하는 데 사용됩니다</a:t>
-            </a:r>
-            <a:r>
-              <a:rPr lang="en-US" altLang="ko-KR" dirty="0"/>
-              <a:t>.</a:t>
-            </a:r>
-          </a:p>
-          <a:p>
             <a:endParaRPr lang="en-US" altLang="ko-KR" dirty="0"/>
           </a:p>
           <a:p>
-            <a:r>
-              <a:rPr lang="en-US" altLang="ko-KR" dirty="0"/>
-              <a:t> 3. short</a:t>
-            </a:r>
-          </a:p>
-          <a:p>
-            <a:r>
-              <a:rPr lang="en-US" altLang="ko-KR" dirty="0"/>
-              <a:t>- **</a:t>
-            </a:r>
-            <a:r>
-              <a:rPr lang="ko-KR" altLang="en-US" dirty="0"/>
-              <a:t>용량**</a:t>
-            </a:r>
-            <a:r>
-              <a:rPr lang="en-US" altLang="ko-KR" dirty="0"/>
-              <a:t>: 2</a:t>
-            </a:r>
-            <a:r>
-              <a:rPr lang="ko-KR" altLang="en-US" dirty="0"/>
-              <a:t>바이트 </a:t>
-            </a:r>
-            <a:r>
-              <a:rPr lang="en-US" altLang="ko-KR" dirty="0"/>
-              <a:t>(16</a:t>
-            </a:r>
-            <a:r>
-              <a:rPr lang="ko-KR" altLang="en-US" dirty="0"/>
-              <a:t>비트</a:t>
-            </a:r>
-            <a:r>
-              <a:rPr lang="en-US" altLang="ko-KR" dirty="0"/>
-              <a:t>)</a:t>
-            </a:r>
-          </a:p>
-          <a:p>
-            <a:r>
-              <a:rPr lang="en-US" altLang="ko-KR" dirty="0"/>
-              <a:t>- **</a:t>
-            </a:r>
-            <a:r>
-              <a:rPr lang="ko-KR" altLang="en-US" dirty="0"/>
-              <a:t>설명**</a:t>
-            </a:r>
-            <a:r>
-              <a:rPr lang="en-US" altLang="ko-KR" dirty="0"/>
-              <a:t>: </a:t>
-            </a:r>
-            <a:r>
-              <a:rPr lang="ko-KR" altLang="en-US" dirty="0"/>
-              <a:t>작은 정수를 저장하는 데 사용되며</a:t>
-            </a:r>
-            <a:r>
-              <a:rPr lang="en-US" altLang="ko-KR" dirty="0"/>
-              <a:t>, </a:t>
-            </a:r>
-            <a:r>
-              <a:rPr lang="ko-KR" altLang="en-US" dirty="0"/>
-              <a:t>부호 있는</a:t>
-            </a:r>
-            <a:r>
-              <a:rPr lang="en-US" altLang="ko-KR" dirty="0"/>
-              <a:t>(`signed`) </a:t>
-            </a:r>
-            <a:r>
-              <a:rPr lang="ko-KR" altLang="en-US" dirty="0"/>
-              <a:t>또는 부호 없는</a:t>
-            </a:r>
-            <a:r>
-              <a:rPr lang="en-US" altLang="ko-KR" dirty="0"/>
-              <a:t>(`unsigned`)</a:t>
-            </a:r>
-            <a:r>
-              <a:rPr lang="ko-KR" altLang="en-US" dirty="0"/>
-              <a:t>으로 사용할 수 있습니다</a:t>
-            </a:r>
-            <a:r>
-              <a:rPr lang="en-US" altLang="ko-KR" dirty="0"/>
-              <a:t>.</a:t>
-            </a:r>
-          </a:p>
-          <a:p>
             <a:endParaRPr lang="en-US" altLang="ko-KR" dirty="0"/>
           </a:p>
           <a:p>
-            <a:r>
-              <a:rPr lang="en-US" altLang="ko-KR" dirty="0"/>
-              <a:t> 4. int</a:t>
-            </a:r>
-          </a:p>
-          <a:p>
-            <a:r>
-              <a:rPr lang="en-US" altLang="ko-KR" dirty="0"/>
-              <a:t>- **</a:t>
-            </a:r>
-            <a:r>
-              <a:rPr lang="ko-KR" altLang="en-US" dirty="0"/>
-              <a:t>용량**</a:t>
-            </a:r>
-            <a:r>
-              <a:rPr lang="en-US" altLang="ko-KR" dirty="0"/>
-              <a:t>: 4</a:t>
-            </a:r>
-            <a:r>
-              <a:rPr lang="ko-KR" altLang="en-US" dirty="0"/>
-              <a:t>바이트 </a:t>
-            </a:r>
-            <a:r>
-              <a:rPr lang="en-US" altLang="ko-KR" dirty="0"/>
-              <a:t>(32</a:t>
-            </a:r>
-            <a:r>
-              <a:rPr lang="ko-KR" altLang="en-US" dirty="0"/>
-              <a:t>비트</a:t>
-            </a:r>
-            <a:r>
-              <a:rPr lang="en-US" altLang="ko-KR" dirty="0"/>
-              <a:t>)</a:t>
-            </a:r>
-          </a:p>
-          <a:p>
-            <a:r>
-              <a:rPr lang="en-US" altLang="ko-KR" dirty="0"/>
-              <a:t>- **</a:t>
-            </a:r>
-            <a:r>
-              <a:rPr lang="ko-KR" altLang="en-US" dirty="0"/>
-              <a:t>설명**</a:t>
-            </a:r>
-            <a:r>
-              <a:rPr lang="en-US" altLang="ko-KR" dirty="0"/>
-              <a:t>: </a:t>
-            </a:r>
-            <a:r>
-              <a:rPr lang="ko-KR" altLang="en-US" dirty="0"/>
-              <a:t>정수를 저장하는 기본 데이터 타입으로</a:t>
-            </a:r>
-            <a:r>
-              <a:rPr lang="en-US" altLang="ko-KR" dirty="0"/>
-              <a:t>, </a:t>
-            </a:r>
-            <a:r>
-              <a:rPr lang="ko-KR" altLang="en-US" dirty="0"/>
-              <a:t>대부분의 시스템에서 가장 자주 사용됩니다</a:t>
-            </a:r>
-            <a:r>
-              <a:rPr lang="en-US" altLang="ko-KR" dirty="0"/>
-              <a:t>.</a:t>
-            </a:r>
-          </a:p>
-          <a:p>
             <a:endParaRPr lang="en-US" altLang="ko-KR" dirty="0"/>
           </a:p>
           <a:p>
+            <a:endParaRPr lang="en-US" altLang="ko-KR" dirty="0"/>
+          </a:p>
+          <a:p>
+            <a:endParaRPr lang="en-US" altLang="ko-KR" dirty="0"/>
+          </a:p>
+          <a:p>
+            <a:endParaRPr lang="en-US" altLang="ko-KR" dirty="0"/>
+          </a:p>
+          <a:p>
+            <a:endParaRPr lang="en-US" altLang="ko-KR" dirty="0"/>
+          </a:p>
+          <a:p>
+            <a:endParaRPr lang="en-US" altLang="ko-KR" dirty="0"/>
+          </a:p>
+          <a:p>
             <a:endParaRPr lang="ko-KR" altLang="en-US" dirty="0"/>
-          </a:p>
-        </p:txBody>
-      </p:sp>
-      <p:sp>
-        <p:nvSpPr>
-          <p:cNvPr id="9" name="TextBox 8">
-            <a:extLst>
-              <a:ext uri="{FF2B5EF4-FFF2-40B4-BE49-F238E27FC236}">
-                <a16:creationId xmlns:a16="http://schemas.microsoft.com/office/drawing/2014/main" id="{D232B66C-422B-24DE-0581-6AA4D6500BFD}"/>
-              </a:ext>
-            </a:extLst>
-          </p:cNvPr>
-          <p:cNvSpPr txBox="1"/>
-          <p:nvPr/>
-        </p:nvSpPr>
-        <p:spPr>
-          <a:xfrm>
-            <a:off x="923454" y="307818"/>
-            <a:ext cx="5106154" cy="369332"/>
-          </a:xfrm>
-          <a:prstGeom prst="rect">
-            <a:avLst/>
-          </a:prstGeom>
-          <a:noFill/>
-        </p:spPr>
-        <p:txBody>
-          <a:bodyPr wrap="square" rtlCol="0">
-            <a:spAutoFit/>
-          </a:bodyPr>
-          <a:lstStyle/>
-          <a:p>
-            <a:r>
-              <a:rPr lang="ko-KR" altLang="en-US" dirty="0"/>
-              <a:t>변수 </a:t>
-            </a:r>
           </a:p>
         </p:txBody>
       </p:sp>
@@ -3833,7 +3559,7 @@
           <p:cNvPr id="4" name="TextBox 3">
             <a:extLst>
               <a:ext uri="{FF2B5EF4-FFF2-40B4-BE49-F238E27FC236}">
-                <a16:creationId xmlns:a16="http://schemas.microsoft.com/office/drawing/2014/main" id="{BC112CC4-3C1A-E658-9DDD-1E2540281A31}"/>
+                <a16:creationId xmlns:a16="http://schemas.microsoft.com/office/drawing/2014/main" id="{48EDDE92-175C-A2E3-F775-307A4BD3C73D}"/>
               </a:ext>
             </a:extLst>
           </p:cNvPr>
@@ -3842,8 +3568,8 @@
         </p:nvSpPr>
         <p:spPr>
           <a:xfrm>
-            <a:off x="289711" y="479834"/>
-            <a:ext cx="11144816" cy="6186309"/>
+            <a:off x="1076325" y="352425"/>
+            <a:ext cx="9858375" cy="6001643"/>
           </a:xfrm>
           <a:prstGeom prst="rect">
             <a:avLst/>
@@ -3856,389 +3582,94 @@
           </a:bodyPr>
           <a:lstStyle/>
           <a:p>
-            <a:r>
-              <a:rPr lang="en-US" altLang="ko-KR" dirty="0"/>
-              <a:t> 5. float</a:t>
-            </a:r>
-          </a:p>
-          <a:p>
-            <a:r>
-              <a:rPr lang="en-US" altLang="ko-KR" dirty="0"/>
-              <a:t>- **</a:t>
-            </a:r>
-            <a:r>
-              <a:rPr lang="ko-KR" altLang="en-US" dirty="0"/>
-              <a:t>용량**</a:t>
-            </a:r>
-            <a:r>
-              <a:rPr lang="en-US" altLang="ko-KR" dirty="0"/>
-              <a:t>: 4</a:t>
-            </a:r>
-            <a:r>
-              <a:rPr lang="ko-KR" altLang="en-US" dirty="0"/>
-              <a:t>바이트 </a:t>
-            </a:r>
-            <a:r>
-              <a:rPr lang="en-US" altLang="ko-KR" dirty="0"/>
-              <a:t>(32</a:t>
-            </a:r>
-            <a:r>
-              <a:rPr lang="ko-KR" altLang="en-US" dirty="0"/>
-              <a:t>비트</a:t>
-            </a:r>
-            <a:r>
-              <a:rPr lang="en-US" altLang="ko-KR" dirty="0"/>
-              <a:t>)</a:t>
-            </a:r>
-          </a:p>
-          <a:p>
-            <a:r>
-              <a:rPr lang="en-US" altLang="ko-KR" dirty="0"/>
-              <a:t>- **</a:t>
-            </a:r>
-            <a:r>
-              <a:rPr lang="ko-KR" altLang="en-US" dirty="0"/>
-              <a:t>설명**</a:t>
-            </a:r>
-            <a:r>
-              <a:rPr lang="en-US" altLang="ko-KR" dirty="0"/>
-              <a:t>: </a:t>
-            </a:r>
-            <a:r>
-              <a:rPr lang="ko-KR" altLang="en-US" dirty="0"/>
-              <a:t>싱글 </a:t>
-            </a:r>
-            <a:r>
-              <a:rPr lang="ko-KR" altLang="en-US" dirty="0" err="1"/>
-              <a:t>프리시전</a:t>
-            </a:r>
-            <a:r>
-              <a:rPr lang="en-US" altLang="ko-KR" dirty="0"/>
-              <a:t>(single-precision) </a:t>
-            </a:r>
-            <a:r>
-              <a:rPr lang="ko-KR" altLang="en-US" dirty="0"/>
-              <a:t>부동 소수점 수를 저장합니다</a:t>
-            </a:r>
-            <a:r>
-              <a:rPr lang="en-US" altLang="ko-KR" dirty="0"/>
-              <a:t>. </a:t>
-            </a:r>
-            <a:r>
-              <a:rPr lang="ko-KR" altLang="en-US" dirty="0"/>
-              <a:t>이는 소수점 이하의 값과 과학적 표기법에 사용되는 지수를 포함합니다</a:t>
-            </a:r>
-            <a:r>
-              <a:rPr lang="en-US" altLang="ko-KR" dirty="0"/>
-              <a:t>.</a:t>
-            </a:r>
-          </a:p>
-          <a:p>
-            <a:endParaRPr lang="en-US" altLang="ko-KR" dirty="0"/>
-          </a:p>
-          <a:p>
-            <a:r>
-              <a:rPr lang="en-US" altLang="ko-KR" dirty="0"/>
-              <a:t> 6. long</a:t>
-            </a:r>
-          </a:p>
-          <a:p>
-            <a:r>
-              <a:rPr lang="en-US" altLang="ko-KR" dirty="0"/>
-              <a:t>- **</a:t>
-            </a:r>
-            <a:r>
-              <a:rPr lang="ko-KR" altLang="en-US" dirty="0"/>
-              <a:t>용량**</a:t>
-            </a:r>
-            <a:r>
-              <a:rPr lang="en-US" altLang="ko-KR" dirty="0"/>
-              <a:t>: </a:t>
-            </a:r>
-            <a:r>
-              <a:rPr lang="ko-KR" altLang="en-US" dirty="0"/>
-              <a:t>대부분의 시스템에서 </a:t>
-            </a:r>
-            <a:r>
-              <a:rPr lang="en-US" altLang="ko-KR" dirty="0"/>
-              <a:t>8</a:t>
-            </a:r>
-            <a:r>
-              <a:rPr lang="ko-KR" altLang="en-US" dirty="0"/>
-              <a:t>바이트 </a:t>
-            </a:r>
-            <a:r>
-              <a:rPr lang="en-US" altLang="ko-KR" dirty="0"/>
-              <a:t>(64</a:t>
-            </a:r>
-            <a:r>
-              <a:rPr lang="ko-KR" altLang="en-US" dirty="0"/>
-              <a:t>비트</a:t>
-            </a:r>
-            <a:r>
-              <a:rPr lang="en-US" altLang="ko-KR" dirty="0"/>
-              <a:t>)</a:t>
-            </a:r>
-          </a:p>
-          <a:p>
-            <a:r>
-              <a:rPr lang="en-US" altLang="ko-KR" dirty="0"/>
-              <a:t>- **</a:t>
-            </a:r>
-            <a:r>
-              <a:rPr lang="ko-KR" altLang="en-US" dirty="0"/>
-              <a:t>설명**</a:t>
-            </a:r>
-            <a:r>
-              <a:rPr lang="en-US" altLang="ko-KR" dirty="0"/>
-              <a:t>: </a:t>
-            </a:r>
-            <a:r>
-              <a:rPr lang="ko-KR" altLang="en-US" dirty="0"/>
-              <a:t>더 큰 정수를 저장하는 데 사용됩니다</a:t>
-            </a:r>
-            <a:r>
-              <a:rPr lang="en-US" altLang="ko-KR" dirty="0"/>
-              <a:t>.</a:t>
-            </a:r>
-          </a:p>
-          <a:p>
-            <a:endParaRPr lang="en-US" altLang="ko-KR" dirty="0"/>
-          </a:p>
-          <a:p>
-            <a:r>
-              <a:rPr lang="en-US" altLang="ko-KR" dirty="0"/>
-              <a:t> 7. double</a:t>
-            </a:r>
-          </a:p>
-          <a:p>
-            <a:r>
-              <a:rPr lang="en-US" altLang="ko-KR" dirty="0"/>
-              <a:t>- **</a:t>
-            </a:r>
-            <a:r>
-              <a:rPr lang="ko-KR" altLang="en-US" dirty="0"/>
-              <a:t>용량**</a:t>
-            </a:r>
-            <a:r>
-              <a:rPr lang="en-US" altLang="ko-KR" dirty="0"/>
-              <a:t>: 8</a:t>
-            </a:r>
-            <a:r>
-              <a:rPr lang="ko-KR" altLang="en-US" dirty="0"/>
-              <a:t>바이트 </a:t>
-            </a:r>
-            <a:r>
-              <a:rPr lang="en-US" altLang="ko-KR" dirty="0"/>
-              <a:t>(64</a:t>
-            </a:r>
-            <a:r>
-              <a:rPr lang="ko-KR" altLang="en-US" dirty="0"/>
-              <a:t>비트</a:t>
-            </a:r>
-            <a:r>
-              <a:rPr lang="en-US" altLang="ko-KR" dirty="0"/>
-              <a:t>)</a:t>
-            </a:r>
-          </a:p>
-          <a:p>
-            <a:r>
-              <a:rPr lang="en-US" altLang="ko-KR" dirty="0"/>
-              <a:t>- **</a:t>
-            </a:r>
-            <a:r>
-              <a:rPr lang="ko-KR" altLang="en-US" dirty="0"/>
-              <a:t>설명**</a:t>
-            </a:r>
-            <a:r>
-              <a:rPr lang="en-US" altLang="ko-KR" dirty="0"/>
-              <a:t>: </a:t>
-            </a:r>
-            <a:r>
-              <a:rPr lang="ko-KR" altLang="en-US" dirty="0"/>
-              <a:t>더블 </a:t>
-            </a:r>
-            <a:r>
-              <a:rPr lang="ko-KR" altLang="en-US" dirty="0" err="1"/>
-              <a:t>프리시전</a:t>
-            </a:r>
-            <a:r>
-              <a:rPr lang="en-US" altLang="ko-KR" dirty="0"/>
-              <a:t>(double-precision) </a:t>
-            </a:r>
-            <a:r>
-              <a:rPr lang="ko-KR" altLang="en-US" dirty="0"/>
-              <a:t>부동 소수점 수를 저장합니다</a:t>
-            </a:r>
-            <a:r>
-              <a:rPr lang="en-US" altLang="ko-KR" dirty="0"/>
-              <a:t>. `float`</a:t>
-            </a:r>
-            <a:r>
-              <a:rPr lang="ko-KR" altLang="en-US" dirty="0"/>
-              <a:t>보다 더 큰 범위와 정밀도를 제공합니다</a:t>
-            </a:r>
-            <a:r>
-              <a:rPr lang="en-US" altLang="ko-KR" dirty="0"/>
-              <a:t>.</a:t>
-            </a:r>
-          </a:p>
-          <a:p>
-            <a:endParaRPr lang="en-US" altLang="ko-KR" dirty="0"/>
-          </a:p>
-          <a:p>
-            <a:r>
-              <a:rPr lang="en-US" altLang="ko-KR" dirty="0"/>
-              <a:t> 8. long </a:t>
-            </a:r>
-            <a:r>
-              <a:rPr lang="en-US" altLang="ko-KR" dirty="0" err="1"/>
-              <a:t>long</a:t>
-            </a:r>
-            <a:endParaRPr lang="en-US" altLang="ko-KR" dirty="0"/>
-          </a:p>
-          <a:p>
-            <a:r>
-              <a:rPr lang="en-US" altLang="ko-KR" dirty="0"/>
-              <a:t>- **</a:t>
-            </a:r>
-            <a:r>
-              <a:rPr lang="ko-KR" altLang="en-US" dirty="0"/>
-              <a:t>용량**</a:t>
-            </a:r>
-            <a:r>
-              <a:rPr lang="en-US" altLang="ko-KR" dirty="0"/>
-              <a:t>: 8</a:t>
-            </a:r>
-            <a:r>
-              <a:rPr lang="ko-KR" altLang="en-US" dirty="0"/>
-              <a:t>바이트 </a:t>
-            </a:r>
-            <a:r>
-              <a:rPr lang="en-US" altLang="ko-KR" dirty="0"/>
-              <a:t>(64</a:t>
-            </a:r>
-            <a:r>
-              <a:rPr lang="ko-KR" altLang="en-US" dirty="0"/>
-              <a:t>비트</a:t>
-            </a:r>
-            <a:r>
-              <a:rPr lang="en-US" altLang="ko-KR" dirty="0"/>
-              <a:t>)</a:t>
-            </a:r>
-          </a:p>
-          <a:p>
-            <a:r>
-              <a:rPr lang="en-US" altLang="ko-KR" dirty="0"/>
-              <a:t>- **</a:t>
-            </a:r>
-            <a:r>
-              <a:rPr lang="ko-KR" altLang="en-US" dirty="0"/>
-              <a:t>설명**</a:t>
-            </a:r>
-            <a:r>
-              <a:rPr lang="en-US" altLang="ko-KR" dirty="0"/>
-              <a:t>: </a:t>
-            </a:r>
-            <a:r>
-              <a:rPr lang="ko-KR" altLang="en-US" dirty="0"/>
-              <a:t>매우 큰 정수를 저장하는 데 사용되며</a:t>
-            </a:r>
-            <a:r>
-              <a:rPr lang="en-US" altLang="ko-KR" dirty="0"/>
-              <a:t>, </a:t>
-            </a:r>
-            <a:r>
-              <a:rPr lang="ko-KR" altLang="en-US" dirty="0"/>
-              <a:t>주로 </a:t>
-            </a:r>
-            <a:r>
-              <a:rPr lang="en-US" altLang="ko-KR" dirty="0"/>
-              <a:t>64</a:t>
-            </a:r>
-            <a:r>
-              <a:rPr lang="ko-KR" altLang="en-US" dirty="0"/>
-              <a:t>비트 컴파일러에서 지원됩니다</a:t>
-            </a:r>
-            <a:r>
-              <a:rPr lang="en-US" altLang="ko-KR" dirty="0"/>
-              <a:t>.</a:t>
-            </a:r>
-          </a:p>
-          <a:p>
-            <a:endParaRPr lang="en-US" altLang="ko-KR" dirty="0"/>
-          </a:p>
-          <a:p>
-            <a:r>
-              <a:rPr lang="en-US" altLang="ko-KR" dirty="0"/>
-              <a:t> 9. long double</a:t>
-            </a:r>
-          </a:p>
-          <a:p>
-            <a:r>
-              <a:rPr lang="en-US" altLang="ko-KR" dirty="0"/>
-              <a:t>- **</a:t>
-            </a:r>
-            <a:r>
-              <a:rPr lang="ko-KR" altLang="en-US" dirty="0"/>
-              <a:t>용량**</a:t>
-            </a:r>
-            <a:r>
-              <a:rPr lang="en-US" altLang="ko-KR" dirty="0"/>
-              <a:t>: </a:t>
-            </a:r>
-            <a:r>
-              <a:rPr lang="ko-KR" altLang="en-US" dirty="0"/>
-              <a:t>플랫폼에 따라 </a:t>
-            </a:r>
-            <a:r>
-              <a:rPr lang="en-US" altLang="ko-KR" dirty="0"/>
-              <a:t>8</a:t>
-            </a:r>
-            <a:r>
-              <a:rPr lang="ko-KR" altLang="en-US" dirty="0"/>
-              <a:t>바이트에서 </a:t>
-            </a:r>
-            <a:r>
-              <a:rPr lang="en-US" altLang="ko-KR" dirty="0"/>
-              <a:t>16</a:t>
-            </a:r>
-            <a:r>
-              <a:rPr lang="ko-KR" altLang="en-US" dirty="0"/>
-              <a:t>바이트까지 다양</a:t>
-            </a:r>
-          </a:p>
-          <a:p>
-            <a:r>
-              <a:rPr lang="en-US" altLang="ko-KR" dirty="0"/>
-              <a:t>- **</a:t>
-            </a:r>
-            <a:r>
-              <a:rPr lang="ko-KR" altLang="en-US" dirty="0"/>
-              <a:t>설명**</a:t>
-            </a:r>
-            <a:r>
-              <a:rPr lang="en-US" altLang="ko-KR" dirty="0"/>
-              <a:t>: `double`</a:t>
-            </a:r>
-            <a:r>
-              <a:rPr lang="ko-KR" altLang="en-US" dirty="0"/>
-              <a:t>보다 더 큰 범위와 정밀도를 필요로 하는 부동 소수점 수를 저장합니다</a:t>
-            </a:r>
-            <a:r>
-              <a:rPr lang="en-US" altLang="ko-KR" dirty="0"/>
-              <a:t>.</a:t>
-            </a:r>
-          </a:p>
-          <a:p>
-            <a:endParaRPr lang="en-US" altLang="ko-KR" dirty="0"/>
+            <a:endParaRPr lang="en-US" altLang="ko-KR" sz="3200" dirty="0"/>
+          </a:p>
+          <a:p>
+            <a:r>
+              <a:rPr lang="en-US" altLang="ko-KR" sz="3200" dirty="0"/>
+              <a:t>C# </a:t>
+            </a:r>
+            <a:r>
+              <a:rPr lang="ko-KR" altLang="en-US" sz="3200" dirty="0"/>
+              <a:t>기준 </a:t>
+            </a:r>
+            <a:endParaRPr lang="en-US" altLang="ko-KR" sz="3200" dirty="0"/>
+          </a:p>
+          <a:p>
+            <a:endParaRPr lang="en-US" altLang="ko-KR" sz="3200" dirty="0"/>
+          </a:p>
+          <a:p>
+            <a:endParaRPr lang="en-US" altLang="ko-KR" sz="3200" dirty="0"/>
+          </a:p>
+          <a:p>
+            <a:endParaRPr lang="en-US" altLang="ko-KR" sz="3200" dirty="0"/>
+          </a:p>
+          <a:p>
+            <a:pPr marL="285750" indent="-285750">
+              <a:buFontTx/>
+              <a:buChar char="-"/>
+            </a:pPr>
+            <a:r>
+              <a:rPr lang="en-US" altLang="ko-KR" sz="3200" dirty="0"/>
+              <a:t> IDE </a:t>
+            </a:r>
+            <a:r>
+              <a:rPr lang="ko-KR" altLang="en-US" sz="3200" dirty="0"/>
+              <a:t>사용법</a:t>
+            </a:r>
+            <a:endParaRPr lang="en-US" altLang="ko-KR" sz="3200" dirty="0"/>
+          </a:p>
+          <a:p>
+            <a:endParaRPr lang="en-US" altLang="ko-KR" sz="3200" dirty="0"/>
+          </a:p>
+          <a:p>
+            <a:r>
+              <a:rPr lang="ko-KR" altLang="en-US" sz="3200" dirty="0"/>
+              <a:t> </a:t>
+            </a:r>
+            <a:endParaRPr lang="en-US" altLang="ko-KR" sz="3200" dirty="0"/>
+          </a:p>
+          <a:p>
+            <a:pPr marL="457200" indent="-457200">
+              <a:buFontTx/>
+              <a:buChar char="-"/>
+            </a:pPr>
+            <a:r>
+              <a:rPr lang="ko-KR" altLang="en-US" sz="3200" dirty="0"/>
+              <a:t>데이터 타입  </a:t>
+            </a:r>
+            <a:endParaRPr lang="en-US" altLang="ko-KR" sz="3200" dirty="0"/>
+          </a:p>
+          <a:p>
+            <a:pPr marL="457200" indent="-457200">
+              <a:buFontTx/>
+              <a:buChar char="-"/>
+            </a:pPr>
+            <a:endParaRPr lang="en-US" altLang="ko-KR" sz="3200" dirty="0"/>
+          </a:p>
+          <a:p>
+            <a:pPr marL="457200" indent="-457200">
+              <a:buFontTx/>
+              <a:buChar char="-"/>
+            </a:pPr>
+            <a:endParaRPr lang="en-US" altLang="ko-KR" sz="3200" dirty="0"/>
+          </a:p>
+          <a:p>
+            <a:r>
+              <a:rPr lang="en-US" altLang="ko-KR" sz="3200" dirty="0"/>
+              <a:t>ChatGPT </a:t>
+            </a:r>
+            <a:r>
+              <a:rPr lang="ko-KR" altLang="en-US" sz="3200" dirty="0"/>
+              <a:t>사용 </a:t>
+            </a:r>
           </a:p>
         </p:txBody>
       </p:sp>
     </p:spTree>
     <p:extLst>
       <p:ext uri="{BB962C8B-B14F-4D97-AF65-F5344CB8AC3E}">
-        <p14:creationId xmlns:p14="http://schemas.microsoft.com/office/powerpoint/2010/main" val="1001984995"/>
+        <p14:creationId xmlns:p14="http://schemas.microsoft.com/office/powerpoint/2010/main" val="1739789772"/>
       </p:ext>
     </p:extLst>
   </p:cSld>

--- a/Week_1.pptx
+++ b/Week_1.pptx
@@ -16,6 +16,8 @@
     <p:sldId id="264" r:id="rId10"/>
     <p:sldId id="265" r:id="rId11"/>
     <p:sldId id="266" r:id="rId12"/>
+    <p:sldId id="267" r:id="rId13"/>
+    <p:sldId id="268" r:id="rId14"/>
   </p:sldIdLst>
   <p:sldSz cx="12192000" cy="6858000"/>
   <p:notesSz cx="6858000" cy="9144000"/>
@@ -3670,6 +3672,364 @@
     <p:extLst>
       <p:ext uri="{BB962C8B-B14F-4D97-AF65-F5344CB8AC3E}">
         <p14:creationId xmlns:p14="http://schemas.microsoft.com/office/powerpoint/2010/main" val="1739789772"/>
+      </p:ext>
+    </p:extLst>
+  </p:cSld>
+  <p:clrMapOvr>
+    <a:masterClrMapping/>
+  </p:clrMapOvr>
+</p:sld>
+</file>
+
+<file path=ppt/slides/slide12.xml><?xml version="1.0" encoding="utf-8"?>
+<p:sld xmlns:a="http://schemas.openxmlformats.org/drawingml/2006/main" xmlns:r="http://schemas.openxmlformats.org/officeDocument/2006/relationships" xmlns:p="http://schemas.openxmlformats.org/presentationml/2006/main">
+  <p:cSld>
+    <p:spTree>
+      <p:nvGrpSpPr>
+        <p:cNvPr id="1" name=""/>
+        <p:cNvGrpSpPr/>
+        <p:nvPr/>
+      </p:nvGrpSpPr>
+      <p:grpSpPr>
+        <a:xfrm>
+          <a:off x="0" y="0"/>
+          <a:ext cx="0" cy="0"/>
+          <a:chOff x="0" y="0"/>
+          <a:chExt cx="0" cy="0"/>
+        </a:xfrm>
+      </p:grpSpPr>
+      <p:sp>
+        <p:nvSpPr>
+          <p:cNvPr id="4" name="TextBox 3">
+            <a:extLst>
+              <a:ext uri="{FF2B5EF4-FFF2-40B4-BE49-F238E27FC236}">
+                <a16:creationId xmlns:a16="http://schemas.microsoft.com/office/drawing/2014/main" id="{21A2BE13-9656-7679-F8E3-B5DDE8E65B8E}"/>
+              </a:ext>
+            </a:extLst>
+          </p:cNvPr>
+          <p:cNvSpPr txBox="1"/>
+          <p:nvPr/>
+        </p:nvSpPr>
+        <p:spPr>
+          <a:xfrm>
+            <a:off x="579422" y="697117"/>
+            <a:ext cx="10701196" cy="2554545"/>
+          </a:xfrm>
+          <a:prstGeom prst="rect">
+            <a:avLst/>
+          </a:prstGeom>
+          <a:noFill/>
+        </p:spPr>
+        <p:txBody>
+          <a:bodyPr wrap="square" rtlCol="0">
+            <a:spAutoFit/>
+          </a:bodyPr>
+          <a:lstStyle/>
+          <a:p>
+            <a:pPr marL="342900" indent="-342900">
+              <a:buAutoNum type="arabicPeriod"/>
+            </a:pPr>
+            <a:r>
+              <a:rPr lang="en-US" altLang="ko-KR" sz="4000" dirty="0"/>
+              <a:t>IDE </a:t>
+            </a:r>
+            <a:r>
+              <a:rPr lang="ko-KR" altLang="en-US" sz="4000" dirty="0"/>
+              <a:t>를 사용해서 프로젝트 생성 </a:t>
+            </a:r>
+            <a:endParaRPr lang="en-US" altLang="ko-KR" sz="4000" dirty="0"/>
+          </a:p>
+          <a:p>
+            <a:pPr marL="342900" indent="-342900">
+              <a:buAutoNum type="arabicPeriod"/>
+            </a:pPr>
+            <a:r>
+              <a:rPr lang="ko-KR" altLang="en-US" sz="4000" dirty="0"/>
+              <a:t>프로젝트 폴더 구조 확인 </a:t>
+            </a:r>
+            <a:endParaRPr lang="en-US" altLang="ko-KR" sz="4000" dirty="0"/>
+          </a:p>
+          <a:p>
+            <a:pPr marL="342900" indent="-342900">
+              <a:buAutoNum type="arabicPeriod"/>
+            </a:pPr>
+            <a:r>
+              <a:rPr lang="en-US" altLang="ko-KR" sz="4000" dirty="0"/>
+              <a:t>EXE</a:t>
+            </a:r>
+            <a:r>
+              <a:rPr lang="ko-KR" altLang="en-US" sz="4000" dirty="0"/>
+              <a:t> 파일 생성 </a:t>
+            </a:r>
+            <a:endParaRPr lang="en-US" altLang="ko-KR" sz="4000" dirty="0"/>
+          </a:p>
+          <a:p>
+            <a:endParaRPr lang="ko-KR" altLang="en-US" sz="4000" dirty="0"/>
+          </a:p>
+        </p:txBody>
+      </p:sp>
+    </p:spTree>
+    <p:extLst>
+      <p:ext uri="{BB962C8B-B14F-4D97-AF65-F5344CB8AC3E}">
+        <p14:creationId xmlns:p14="http://schemas.microsoft.com/office/powerpoint/2010/main" val="110320814"/>
+      </p:ext>
+    </p:extLst>
+  </p:cSld>
+  <p:clrMapOvr>
+    <a:masterClrMapping/>
+  </p:clrMapOvr>
+</p:sld>
+</file>
+
+<file path=ppt/slides/slide13.xml><?xml version="1.0" encoding="utf-8"?>
+<p:sld xmlns:a="http://schemas.openxmlformats.org/drawingml/2006/main" xmlns:r="http://schemas.openxmlformats.org/officeDocument/2006/relationships" xmlns:p="http://schemas.openxmlformats.org/presentationml/2006/main">
+  <p:cSld>
+    <p:spTree>
+      <p:nvGrpSpPr>
+        <p:cNvPr id="1" name=""/>
+        <p:cNvGrpSpPr/>
+        <p:nvPr/>
+      </p:nvGrpSpPr>
+      <p:grpSpPr>
+        <a:xfrm>
+          <a:off x="0" y="0"/>
+          <a:ext cx="0" cy="0"/>
+          <a:chOff x="0" y="0"/>
+          <a:chExt cx="0" cy="0"/>
+        </a:xfrm>
+      </p:grpSpPr>
+      <p:sp>
+        <p:nvSpPr>
+          <p:cNvPr id="3" name="내용 개체 틀 2">
+            <a:extLst>
+              <a:ext uri="{FF2B5EF4-FFF2-40B4-BE49-F238E27FC236}">
+                <a16:creationId xmlns:a16="http://schemas.microsoft.com/office/drawing/2014/main" id="{372F1470-DF36-F399-E7EE-8ED57A775169}"/>
+              </a:ext>
+            </a:extLst>
+          </p:cNvPr>
+          <p:cNvSpPr>
+            <a:spLocks noGrp="1"/>
+          </p:cNvSpPr>
+          <p:nvPr>
+            <p:ph idx="1"/>
+          </p:nvPr>
+        </p:nvSpPr>
+        <p:spPr>
+          <a:xfrm>
+            <a:off x="955895" y="992706"/>
+            <a:ext cx="10515600" cy="4351338"/>
+          </a:xfrm>
+        </p:spPr>
+        <p:txBody>
+          <a:bodyPr/>
+          <a:lstStyle/>
+          <a:p>
+            <a:endParaRPr lang="ko-KR" altLang="en-US" sz="1800" dirty="0">
+              <a:solidFill>
+                <a:srgbClr val="000000"/>
+              </a:solidFill>
+              <a:latin typeface="돋움체" panose="020B0609000101010101" pitchFamily="49" charset="-127"/>
+              <a:ea typeface="돋움체" panose="020B0609000101010101" pitchFamily="49" charset="-127"/>
+            </a:endParaRPr>
+          </a:p>
+          <a:p>
+            <a:r>
+              <a:rPr lang="en-US" altLang="ko-KR" sz="1800" dirty="0" err="1">
+                <a:solidFill>
+                  <a:srgbClr val="000000"/>
+                </a:solidFill>
+                <a:latin typeface="돋움체" panose="020B0609000101010101" pitchFamily="49" charset="-127"/>
+                <a:ea typeface="돋움체" panose="020B0609000101010101" pitchFamily="49" charset="-127"/>
+              </a:rPr>
+              <a:t>Console.WriteLine</a:t>
+            </a:r>
+            <a:r>
+              <a:rPr lang="en-US" altLang="ko-KR" sz="1800" dirty="0">
+                <a:solidFill>
+                  <a:srgbClr val="000000"/>
+                </a:solidFill>
+                <a:latin typeface="돋움체" panose="020B0609000101010101" pitchFamily="49" charset="-127"/>
+                <a:ea typeface="돋움체" panose="020B0609000101010101" pitchFamily="49" charset="-127"/>
+              </a:rPr>
+              <a:t>("Start");</a:t>
+            </a:r>
+          </a:p>
+          <a:p>
+            <a:endParaRPr lang="ko-KR" altLang="en-US" sz="1800" dirty="0">
+              <a:solidFill>
+                <a:srgbClr val="000000"/>
+              </a:solidFill>
+              <a:latin typeface="돋움체" panose="020B0609000101010101" pitchFamily="49" charset="-127"/>
+              <a:ea typeface="돋움체" panose="020B0609000101010101" pitchFamily="49" charset="-127"/>
+            </a:endParaRPr>
+          </a:p>
+          <a:p>
+            <a:r>
+              <a:rPr lang="sv-SE" altLang="ko-KR" sz="1800" dirty="0">
+                <a:solidFill>
+                  <a:srgbClr val="000000"/>
+                </a:solidFill>
+                <a:latin typeface="돋움체" panose="020B0609000101010101" pitchFamily="49" charset="-127"/>
+                <a:ea typeface="돋움체" panose="020B0609000101010101" pitchFamily="49" charset="-127"/>
+              </a:rPr>
+              <a:t>foreach (var arg in args)</a:t>
+            </a:r>
+          </a:p>
+          <a:p>
+            <a:r>
+              <a:rPr lang="en-US" altLang="ko-KR" sz="1800" dirty="0">
+                <a:solidFill>
+                  <a:srgbClr val="000000"/>
+                </a:solidFill>
+                <a:latin typeface="돋움체" panose="020B0609000101010101" pitchFamily="49" charset="-127"/>
+                <a:ea typeface="돋움체" panose="020B0609000101010101" pitchFamily="49" charset="-127"/>
+              </a:rPr>
+              <a:t>{</a:t>
+            </a:r>
+          </a:p>
+          <a:p>
+            <a:r>
+              <a:rPr lang="en-US" altLang="ko-KR" sz="1800" dirty="0">
+                <a:solidFill>
+                  <a:srgbClr val="000000"/>
+                </a:solidFill>
+                <a:latin typeface="돋움체" panose="020B0609000101010101" pitchFamily="49" charset="-127"/>
+                <a:ea typeface="돋움체" panose="020B0609000101010101" pitchFamily="49" charset="-127"/>
+              </a:rPr>
+              <a:t>    </a:t>
+            </a:r>
+            <a:r>
+              <a:rPr lang="en-US" altLang="ko-KR" sz="1800" dirty="0" err="1">
+                <a:solidFill>
+                  <a:srgbClr val="000000"/>
+                </a:solidFill>
+                <a:latin typeface="돋움체" panose="020B0609000101010101" pitchFamily="49" charset="-127"/>
+                <a:ea typeface="돋움체" panose="020B0609000101010101" pitchFamily="49" charset="-127"/>
+              </a:rPr>
+              <a:t>Console.WriteLine</a:t>
+            </a:r>
+            <a:r>
+              <a:rPr lang="en-US" altLang="ko-KR" sz="1800" dirty="0">
+                <a:solidFill>
+                  <a:srgbClr val="000000"/>
+                </a:solidFill>
+                <a:latin typeface="돋움체" panose="020B0609000101010101" pitchFamily="49" charset="-127"/>
+                <a:ea typeface="돋움체" panose="020B0609000101010101" pitchFamily="49" charset="-127"/>
+              </a:rPr>
+              <a:t>("Hello, World! : " + </a:t>
+            </a:r>
+            <a:r>
+              <a:rPr lang="en-US" altLang="ko-KR" sz="1800" dirty="0" err="1">
+                <a:solidFill>
+                  <a:srgbClr val="000000"/>
+                </a:solidFill>
+                <a:latin typeface="돋움체" panose="020B0609000101010101" pitchFamily="49" charset="-127"/>
+                <a:ea typeface="돋움체" panose="020B0609000101010101" pitchFamily="49" charset="-127"/>
+              </a:rPr>
+              <a:t>arg</a:t>
+            </a:r>
+            <a:r>
+              <a:rPr lang="en-US" altLang="ko-KR" sz="1800" dirty="0">
+                <a:solidFill>
+                  <a:srgbClr val="000000"/>
+                </a:solidFill>
+                <a:latin typeface="돋움체" panose="020B0609000101010101" pitchFamily="49" charset="-127"/>
+                <a:ea typeface="돋움체" panose="020B0609000101010101" pitchFamily="49" charset="-127"/>
+              </a:rPr>
+              <a:t>);</a:t>
+            </a:r>
+          </a:p>
+          <a:p>
+            <a:r>
+              <a:rPr lang="en-US" altLang="ko-KR" sz="1800" dirty="0">
+                <a:solidFill>
+                  <a:srgbClr val="000000"/>
+                </a:solidFill>
+                <a:latin typeface="돋움체" panose="020B0609000101010101" pitchFamily="49" charset="-127"/>
+                <a:ea typeface="돋움체" panose="020B0609000101010101" pitchFamily="49" charset="-127"/>
+              </a:rPr>
+              <a:t>}</a:t>
+            </a:r>
+          </a:p>
+          <a:p>
+            <a:endParaRPr lang="ko-KR" altLang="en-US" sz="1800" dirty="0">
+              <a:solidFill>
+                <a:srgbClr val="000000"/>
+              </a:solidFill>
+              <a:latin typeface="돋움체" panose="020B0609000101010101" pitchFamily="49" charset="-127"/>
+              <a:ea typeface="돋움체" panose="020B0609000101010101" pitchFamily="49" charset="-127"/>
+            </a:endParaRPr>
+          </a:p>
+          <a:p>
+            <a:r>
+              <a:rPr lang="en-US" altLang="ko-KR" sz="1800" dirty="0">
+                <a:solidFill>
+                  <a:srgbClr val="000000"/>
+                </a:solidFill>
+                <a:latin typeface="돋움체" panose="020B0609000101010101" pitchFamily="49" charset="-127"/>
+                <a:ea typeface="돋움체" panose="020B0609000101010101" pitchFamily="49" charset="-127"/>
+              </a:rPr>
+              <a:t>await </a:t>
+            </a:r>
+            <a:r>
+              <a:rPr lang="en-US" altLang="ko-KR" sz="1800" dirty="0" err="1">
+                <a:solidFill>
+                  <a:srgbClr val="000000"/>
+                </a:solidFill>
+                <a:latin typeface="돋움체" panose="020B0609000101010101" pitchFamily="49" charset="-127"/>
+                <a:ea typeface="돋움체" panose="020B0609000101010101" pitchFamily="49" charset="-127"/>
+              </a:rPr>
+              <a:t>Task.Delay</a:t>
+            </a:r>
+            <a:r>
+              <a:rPr lang="en-US" altLang="ko-KR" sz="1800" dirty="0">
+                <a:solidFill>
+                  <a:srgbClr val="000000"/>
+                </a:solidFill>
+                <a:latin typeface="돋움체" panose="020B0609000101010101" pitchFamily="49" charset="-127"/>
+                <a:ea typeface="돋움체" panose="020B0609000101010101" pitchFamily="49" charset="-127"/>
+              </a:rPr>
+              <a:t>(5000);</a:t>
+            </a:r>
+          </a:p>
+          <a:p>
+            <a:endParaRPr lang="ko-KR" altLang="en-US" sz="1800" dirty="0">
+              <a:solidFill>
+                <a:srgbClr val="000000"/>
+              </a:solidFill>
+              <a:latin typeface="돋움체" panose="020B0609000101010101" pitchFamily="49" charset="-127"/>
+              <a:ea typeface="돋움체" panose="020B0609000101010101" pitchFamily="49" charset="-127"/>
+            </a:endParaRPr>
+          </a:p>
+          <a:p>
+            <a:r>
+              <a:rPr lang="en-US" altLang="ko-KR" sz="1800" dirty="0" err="1">
+                <a:solidFill>
+                  <a:srgbClr val="000000"/>
+                </a:solidFill>
+                <a:latin typeface="돋움체" panose="020B0609000101010101" pitchFamily="49" charset="-127"/>
+                <a:ea typeface="돋움체" panose="020B0609000101010101" pitchFamily="49" charset="-127"/>
+              </a:rPr>
+              <a:t>Console.WriteLine</a:t>
+            </a:r>
+            <a:r>
+              <a:rPr lang="en-US" altLang="ko-KR" sz="1800" dirty="0">
+                <a:solidFill>
+                  <a:srgbClr val="000000"/>
+                </a:solidFill>
+                <a:latin typeface="돋움체" panose="020B0609000101010101" pitchFamily="49" charset="-127"/>
+                <a:ea typeface="돋움체" panose="020B0609000101010101" pitchFamily="49" charset="-127"/>
+              </a:rPr>
+              <a:t>("End");</a:t>
+            </a:r>
+            <a:endParaRPr lang="ko-KR" altLang="en-US" dirty="0"/>
+          </a:p>
+        </p:txBody>
+      </p:sp>
+    </p:spTree>
+    <p:extLst>
+      <p:ext uri="{BB962C8B-B14F-4D97-AF65-F5344CB8AC3E}">
+        <p14:creationId xmlns:p14="http://schemas.microsoft.com/office/powerpoint/2010/main" val="538538622"/>
       </p:ext>
     </p:extLst>
   </p:cSld>

--- a/Week_1.pptx
+++ b/Week_1.pptx
@@ -18,6 +18,7 @@
     <p:sldId id="266" r:id="rId12"/>
     <p:sldId id="267" r:id="rId13"/>
     <p:sldId id="268" r:id="rId14"/>
+    <p:sldId id="269" r:id="rId15"/>
   </p:sldIdLst>
   <p:sldSz cx="12192000" cy="6858000"/>
   <p:notesSz cx="6858000" cy="9144000"/>
@@ -4030,6 +4031,75 @@
     <p:extLst>
       <p:ext uri="{BB962C8B-B14F-4D97-AF65-F5344CB8AC3E}">
         <p14:creationId xmlns:p14="http://schemas.microsoft.com/office/powerpoint/2010/main" val="538538622"/>
+      </p:ext>
+    </p:extLst>
+  </p:cSld>
+  <p:clrMapOvr>
+    <a:masterClrMapping/>
+  </p:clrMapOvr>
+</p:sld>
+</file>
+
+<file path=ppt/slides/slide14.xml><?xml version="1.0" encoding="utf-8"?>
+<p:sld xmlns:a="http://schemas.openxmlformats.org/drawingml/2006/main" xmlns:r="http://schemas.openxmlformats.org/officeDocument/2006/relationships" xmlns:p="http://schemas.openxmlformats.org/presentationml/2006/main">
+  <p:cSld>
+    <p:spTree>
+      <p:nvGrpSpPr>
+        <p:cNvPr id="1" name=""/>
+        <p:cNvGrpSpPr/>
+        <p:nvPr/>
+      </p:nvGrpSpPr>
+      <p:grpSpPr>
+        <a:xfrm>
+          <a:off x="0" y="0"/>
+          <a:ext cx="0" cy="0"/>
+          <a:chOff x="0" y="0"/>
+          <a:chExt cx="0" cy="0"/>
+        </a:xfrm>
+      </p:grpSpPr>
+      <p:sp>
+        <p:nvSpPr>
+          <p:cNvPr id="4" name="TextBox 3">
+            <a:extLst>
+              <a:ext uri="{FF2B5EF4-FFF2-40B4-BE49-F238E27FC236}">
+                <a16:creationId xmlns:a16="http://schemas.microsoft.com/office/drawing/2014/main" id="{92704B04-A536-5F5F-EEE9-699F64C0A16B}"/>
+              </a:ext>
+            </a:extLst>
+          </p:cNvPr>
+          <p:cNvSpPr txBox="1"/>
+          <p:nvPr/>
+        </p:nvSpPr>
+        <p:spPr>
+          <a:xfrm>
+            <a:off x="1530036" y="787651"/>
+            <a:ext cx="9098732" cy="369332"/>
+          </a:xfrm>
+          <a:prstGeom prst="rect">
+            <a:avLst/>
+          </a:prstGeom>
+          <a:noFill/>
+        </p:spPr>
+        <p:txBody>
+          <a:bodyPr wrap="square" rtlCol="0">
+            <a:spAutoFit/>
+          </a:bodyPr>
+          <a:lstStyle/>
+          <a:p>
+            <a:r>
+              <a:rPr lang="en-US" altLang="ko-KR" dirty="0"/>
+              <a:t>BAT </a:t>
+            </a:r>
+            <a:r>
+              <a:rPr lang="ko-KR" altLang="en-US" dirty="0"/>
+              <a:t>파일 </a:t>
+            </a:r>
+          </a:p>
+        </p:txBody>
+      </p:sp>
+    </p:spTree>
+    <p:extLst>
+      <p:ext uri="{BB962C8B-B14F-4D97-AF65-F5344CB8AC3E}">
+        <p14:creationId xmlns:p14="http://schemas.microsoft.com/office/powerpoint/2010/main" val="3900834545"/>
       </p:ext>
     </p:extLst>
   </p:cSld>
